--- a/Presentations/SIMF_OMG_201709.pptx
+++ b/Presentations/SIMF_OMG_201709.pptx
@@ -5,16 +5,20 @@
     <p:sldMasterId id="2147483684" r:id="rId1"/>
   </p:sldMasterIdLst>
   <p:notesMasterIdLst>
-    <p:notesMasterId r:id="rId6"/>
+    <p:notesMasterId r:id="rId10"/>
   </p:notesMasterIdLst>
   <p:handoutMasterIdLst>
-    <p:handoutMasterId r:id="rId7"/>
+    <p:handoutMasterId r:id="rId11"/>
   </p:handoutMasterIdLst>
   <p:sldIdLst>
     <p:sldId id="456" r:id="rId2"/>
     <p:sldId id="539" r:id="rId3"/>
-    <p:sldId id="540" r:id="rId4"/>
-    <p:sldId id="537" r:id="rId5"/>
+    <p:sldId id="545" r:id="rId4"/>
+    <p:sldId id="541" r:id="rId5"/>
+    <p:sldId id="542" r:id="rId6"/>
+    <p:sldId id="543" r:id="rId7"/>
+    <p:sldId id="544" r:id="rId8"/>
+    <p:sldId id="537" r:id="rId9"/>
   </p:sldIdLst>
   <p:sldSz cx="9144000" cy="6858000" type="screen4x3"/>
   <p:notesSz cx="6954838" cy="9240838"/>
@@ -135,6 +139,10 @@
 </p:presentation>
 </file>
 
+<file path=ppt/revisionInfo.xml><?xml version="1.0" encoding="utf-8"?>
+<p1510:revInfo xmlns:a="http://schemas.openxmlformats.org/drawingml/2006/main" xmlns:r="http://schemas.openxmlformats.org/officeDocument/2006/relationships" xmlns:p1510="http://schemas.microsoft.com/office/powerpoint/2015/10/main"/>
+</file>
+
 <file path=ppt/handoutMasters/handoutMaster1.xml><?xml version="1.0" encoding="utf-8"?>
 <p:handoutMaster xmlns:a="http://schemas.openxmlformats.org/drawingml/2006/main" xmlns:r="http://schemas.openxmlformats.org/officeDocument/2006/relationships" xmlns:p="http://schemas.openxmlformats.org/presentationml/2006/main">
   <p:cSld>
@@ -217,7 +225,7 @@
           <a:p>
             <a:fld id="{38E3837F-7B40-4B98-90A9-C161BB7B8FD2}" type="datetimeFigureOut">
               <a:rPr lang="en-US" smtClean="0"/>
-              <a:t>9/24/2017</a:t>
+              <a:t>9/27/2017</a:t>
             </a:fld>
             <a:endParaRPr lang="en-US"/>
           </a:p>
@@ -382,7 +390,7 @@
           <a:p>
             <a:fld id="{C40E5A84-7D87-452D-8FE3-23F521AC3943}" type="datetimeFigureOut">
               <a:rPr lang="en-US" smtClean="0"/>
-              <a:t>9/24/2017</a:t>
+              <a:t>9/27/2017</a:t>
             </a:fld>
             <a:endParaRPr lang="en-US"/>
           </a:p>
@@ -807,7 +815,7 @@
     </p:spTree>
     <p:extLst>
       <p:ext uri="{BB962C8B-B14F-4D97-AF65-F5344CB8AC3E}">
-        <p14:creationId xmlns:p14="http://schemas.microsoft.com/office/powerpoint/2010/main" val="3160299379"/>
+        <p14:creationId xmlns:p14="http://schemas.microsoft.com/office/powerpoint/2010/main" val="3222652761"/>
       </p:ext>
     </p:extLst>
   </p:cSld>
@@ -4835,8 +4843,8 @@
           </a:prstGeom>
           <a:noFill/>
           <a:extLst>
-            <a:ext uri="{909E8E84-426E-40DD-AFC4-6F175D3DCCD1}">
-              <a14:hiddenFill xmlns:a14="http://schemas.microsoft.com/office/drawing/2010/main">
+            <a:ext uri="{909E8E84-426E-40dd-AFC4-6F175D3DCCD1}">
+              <a14:hiddenFill xmlns:a14="http://schemas.microsoft.com/office/drawing/2010/main" xmlns="">
                 <a:solidFill>
                   <a:srgbClr val="FFFFFF"/>
                 </a:solidFill>
@@ -4936,15 +4944,15 @@
           </a:ln>
           <a:effectLst/>
           <a:extLst>
-            <a:ext uri="{909E8E84-426E-40DD-AFC4-6F175D3DCCD1}">
-              <a14:hiddenFill xmlns:a14="http://schemas.microsoft.com/office/drawing/2010/main">
+            <a:ext uri="{909E8E84-426E-40dd-AFC4-6F175D3DCCD1}">
+              <a14:hiddenFill xmlns:a14="http://schemas.microsoft.com/office/drawing/2010/main" xmlns="">
                 <a:solidFill>
                   <a:schemeClr val="accent1"/>
                 </a:solidFill>
               </a14:hiddenFill>
             </a:ext>
-            <a:ext uri="{91240B29-F687-4F45-9708-019B960494DF}">
-              <a14:hiddenLine xmlns:a14="http://schemas.microsoft.com/office/drawing/2010/main" w="9525">
+            <a:ext uri="{91240B29-F687-4f45-9708-019B960494DF}">
+              <a14:hiddenLine xmlns:a14="http://schemas.microsoft.com/office/drawing/2010/main" xmlns="" w="9525">
                 <a:solidFill>
                   <a:schemeClr val="tx1"/>
                 </a:solidFill>
@@ -4953,8 +4961,8 @@
                 <a:tailEnd/>
               </a14:hiddenLine>
             </a:ext>
-            <a:ext uri="{AF507438-7753-43E0-B8FC-AC1667EBCBE1}">
-              <a14:hiddenEffects xmlns:a14="http://schemas.microsoft.com/office/drawing/2010/main">
+            <a:ext uri="{AF507438-7753-43e0-B8FC-AC1667EBCBE1}">
+              <a14:hiddenEffects xmlns:a14="http://schemas.microsoft.com/office/drawing/2010/main" xmlns="">
                 <a:effectLst>
                   <a:outerShdw dist="35921" dir="2700000" algn="ctr" rotWithShape="0">
                     <a:schemeClr val="bg2"/>
@@ -5104,7 +5112,7 @@
             <a:pPr lvl="1"/>
             <a:r>
               <a:rPr lang="en-US" dirty="0"/>
-              <a:t>NoMagic CCM is “in the marketplace”, but still a partial implementation</a:t>
+              <a:t>No Magic CCM is “in the marketplace”; still a partial but growing implementation</a:t>
             </a:r>
           </a:p>
           <a:p>
@@ -6511,13 +6519,13 @@
         </p:nvSpPr>
         <p:spPr>
           <a:xfrm>
-            <a:off x="6314208" y="1298429"/>
+            <a:off x="6349712" y="1624878"/>
             <a:ext cx="1695450" cy="896867"/>
           </a:xfrm>
           <a:prstGeom prst="wedgeRoundRectCallout">
             <a:avLst>
-              <a:gd name="adj1" fmla="val -34929"/>
-              <a:gd name="adj2" fmla="val 163210"/>
+              <a:gd name="adj1" fmla="val -39946"/>
+              <a:gd name="adj2" fmla="val 130015"/>
               <a:gd name="adj3" fmla="val 16667"/>
             </a:avLst>
           </a:prstGeom>
@@ -6817,10 +6825,63 @@
           </a:p>
         </p:txBody>
       </p:sp>
+      <p:sp>
+        <p:nvSpPr>
+          <p:cNvPr id="2" name="Speech Bubble: Rectangle with Corners Rounded 1">
+            <a:extLst>
+              <a:ext uri="{FF2B5EF4-FFF2-40B4-BE49-F238E27FC236}">
+                <a16:creationId xmlns:a16="http://schemas.microsoft.com/office/drawing/2014/main" id="{8E73117E-8633-4F73-A5E1-A7B0745449B6}"/>
+              </a:ext>
+            </a:extLst>
+          </p:cNvPr>
+          <p:cNvSpPr/>
+          <p:nvPr/>
+        </p:nvSpPr>
+        <p:spPr>
+          <a:xfrm>
+            <a:off x="6511633" y="4032842"/>
+            <a:ext cx="1717967" cy="764042"/>
+          </a:xfrm>
+          <a:prstGeom prst="wedgeRoundRectCallout">
+            <a:avLst>
+              <a:gd name="adj1" fmla="val -78486"/>
+              <a:gd name="adj2" fmla="val -16224"/>
+              <a:gd name="adj3" fmla="val 16667"/>
+            </a:avLst>
+          </a:prstGeom>
+        </p:spPr>
+        <p:style>
+          <a:lnRef idx="2">
+            <a:schemeClr val="accent1">
+              <a:shade val="50000"/>
+            </a:schemeClr>
+          </a:lnRef>
+          <a:fillRef idx="1">
+            <a:schemeClr val="accent1"/>
+          </a:fillRef>
+          <a:effectRef idx="0">
+            <a:schemeClr val="accent1"/>
+          </a:effectRef>
+          <a:fontRef idx="minor">
+            <a:schemeClr val="lt1"/>
+          </a:fontRef>
+        </p:style>
+        <p:txBody>
+          <a:bodyPr rtlCol="0" anchor="ctr"/>
+          <a:lstStyle/>
+          <a:p>
+            <a:pPr algn="ctr"/>
+            <a:r>
+              <a:rPr lang="en-US" sz="1600" dirty="0"/>
+              <a:t>Implements SMIF Semantics as Java code</a:t>
+            </a:r>
+          </a:p>
+        </p:txBody>
+      </p:sp>
     </p:spTree>
     <p:extLst>
       <p:ext uri="{BB962C8B-B14F-4D97-AF65-F5344CB8AC3E}">
-        <p14:creationId xmlns:p14="http://schemas.microsoft.com/office/powerpoint/2010/main" val="2319851543"/>
+        <p14:creationId xmlns:p14="http://schemas.microsoft.com/office/powerpoint/2010/main" val="4284661370"/>
       </p:ext>
     </p:extLst>
   </p:cSld>
@@ -6849,34 +6910,122 @@
       </p:grpSpPr>
       <p:sp>
         <p:nvSpPr>
-          <p:cNvPr id="8" name="Subtitle 7"/>
-          <p:cNvSpPr>
-            <a:spLocks noGrp="1"/>
-          </p:cNvSpPr>
-          <p:nvPr>
-            <p:ph type="subTitle" idx="1"/>
+          <p:cNvPr id="6" name="Content Placeholder 5"/>
+          <p:cNvSpPr>
+            <a:spLocks noGrp="1"/>
+          </p:cNvSpPr>
+          <p:nvPr>
+            <p:ph sz="quarter" idx="13"/>
           </p:nvPr>
         </p:nvSpPr>
         <p:spPr/>
         <p:txBody>
-          <a:bodyPr/>
-          <a:lstStyle/>
-          <a:p>
+          <a:bodyPr>
+            <a:normAutofit/>
+          </a:bodyPr>
+          <a:lstStyle/>
+          <a:p>
+            <a:pPr marL="285750" indent="-285750">
+              <a:buFont typeface="Arial"/>
+              <a:buChar char="•"/>
+            </a:pPr>
             <a:r>
               <a:rPr lang="en-US" dirty="0"/>
-              <a:t>Revised submission date: June</a:t>
-            </a:r>
-          </a:p>
-        </p:txBody>
-      </p:sp>
-      <p:sp>
-        <p:nvSpPr>
-          <p:cNvPr id="3" name="Date Placeholder 2"/>
-          <p:cNvSpPr>
-            <a:spLocks noGrp="1"/>
-          </p:cNvSpPr>
-          <p:nvPr>
-            <p:ph type="dt" sz="half" idx="10"/>
+              <a:t>A partial but growing SMIF profile implementation that is informing the SMIF specification</a:t>
+            </a:r>
+          </a:p>
+          <a:p>
+            <a:pPr marL="285750" indent="-285750">
+              <a:buFont typeface="Arial"/>
+              <a:buChar char="•"/>
+            </a:pPr>
+            <a:r>
+              <a:rPr lang="en-US" dirty="0"/>
+              <a:t>A No Magic product that has been on the market since 2015</a:t>
+            </a:r>
+          </a:p>
+          <a:p>
+            <a:pPr marL="285750" indent="-285750">
+              <a:buFont typeface="Arial"/>
+              <a:buChar char="•"/>
+            </a:pPr>
+            <a:r>
+              <a:rPr lang="en-US" dirty="0"/>
+              <a:t>A plugin to </a:t>
+            </a:r>
+            <a:r>
+              <a:rPr lang="en-US" dirty="0" err="1"/>
+              <a:t>MagicDraw</a:t>
+            </a:r>
+            <a:r>
+              <a:rPr lang="en-US" dirty="0"/>
+              <a:t> 18.x</a:t>
+            </a:r>
+          </a:p>
+          <a:p>
+            <a:pPr marL="285750" indent="-285750">
+              <a:buFont typeface="Arial"/>
+              <a:buChar char="•"/>
+            </a:pPr>
+            <a:r>
+              <a:rPr lang="en-US" dirty="0"/>
+              <a:t>Part of Cameo EA 18.x</a:t>
+            </a:r>
+          </a:p>
+          <a:p>
+            <a:pPr marL="285750" indent="-285750">
+              <a:buFont typeface="Arial"/>
+              <a:buChar char="•"/>
+            </a:pPr>
+            <a:r>
+              <a:rPr lang="en-US" dirty="0"/>
+              <a:t>For the Financial Industry Business Ontology (FIBO) efforts:</a:t>
+            </a:r>
+          </a:p>
+          <a:p>
+            <a:pPr marL="457200" lvl="1" indent="-285750">
+              <a:buFont typeface="Arial"/>
+              <a:buChar char="•"/>
+            </a:pPr>
+            <a:r>
+              <a:rPr lang="en-US" dirty="0"/>
+              <a:t>Diagrams used for the business stakeholder view</a:t>
+            </a:r>
+          </a:p>
+          <a:p>
+            <a:pPr marL="457200" lvl="1" indent="-285750">
+              <a:buFont typeface="Arial"/>
+              <a:buChar char="•"/>
+            </a:pPr>
+            <a:r>
+              <a:rPr lang="en-US" dirty="0"/>
+              <a:t>Natural language glossary</a:t>
+            </a:r>
+          </a:p>
+          <a:p>
+            <a:pPr marL="285750" indent="-285750">
+              <a:buFont typeface="Arial"/>
+              <a:buChar char="•"/>
+            </a:pPr>
+            <a:endParaRPr lang="en-US" dirty="0"/>
+          </a:p>
+          <a:p>
+            <a:pPr marL="457200" lvl="1" indent="-285750">
+              <a:buFont typeface="Arial"/>
+              <a:buChar char="•"/>
+            </a:pPr>
+            <a:endParaRPr lang="en-US" dirty="0"/>
+          </a:p>
+        </p:txBody>
+      </p:sp>
+      <p:sp>
+        <p:nvSpPr>
+          <p:cNvPr id="2" name="Date Placeholder 1"/>
+          <p:cNvSpPr>
+            <a:spLocks noGrp="1"/>
+          </p:cNvSpPr>
+          <p:nvPr>
+            <p:ph type="dt" sz="half" idx="14"/>
           </p:nvPr>
         </p:nvSpPr>
         <p:spPr/>
@@ -6894,12 +7043,12 @@
       </p:sp>
       <p:sp>
         <p:nvSpPr>
-          <p:cNvPr id="4" name="Slide Number Placeholder 3"/>
-          <p:cNvSpPr>
-            <a:spLocks noGrp="1"/>
-          </p:cNvSpPr>
-          <p:nvPr>
-            <p:ph type="sldNum" sz="quarter" idx="11"/>
+          <p:cNvPr id="3" name="Slide Number Placeholder 2"/>
+          <p:cNvSpPr>
+            <a:spLocks noGrp="1"/>
+          </p:cNvSpPr>
+          <p:nvPr>
+            <p:ph type="sldNum" sz="quarter" idx="15"/>
           </p:nvPr>
         </p:nvSpPr>
         <p:spPr/>
@@ -6910,6 +7059,787 @@
             <a:fld id="{987D7693-E132-40A2-A808-4CF056E677D9}" type="slidenum">
               <a:rPr lang="en-US" smtClean="0"/>
               <a:t>4</a:t>
+            </a:fld>
+            <a:endParaRPr lang="en-US" dirty="0"/>
+          </a:p>
+        </p:txBody>
+      </p:sp>
+      <p:sp>
+        <p:nvSpPr>
+          <p:cNvPr id="4" name="Footer Placeholder 3"/>
+          <p:cNvSpPr>
+            <a:spLocks noGrp="1"/>
+          </p:cNvSpPr>
+          <p:nvPr>
+            <p:ph type="ftr" sz="quarter" idx="16"/>
+          </p:nvPr>
+        </p:nvSpPr>
+        <p:spPr/>
+        <p:txBody>
+          <a:bodyPr/>
+          <a:lstStyle/>
+          <a:p>
+            <a:endParaRPr lang="en-US" dirty="0"/>
+          </a:p>
+        </p:txBody>
+      </p:sp>
+      <p:sp>
+        <p:nvSpPr>
+          <p:cNvPr id="5" name="Title 4"/>
+          <p:cNvSpPr>
+            <a:spLocks noGrp="1"/>
+          </p:cNvSpPr>
+          <p:nvPr>
+            <p:ph type="title"/>
+          </p:nvPr>
+        </p:nvSpPr>
+        <p:spPr/>
+        <p:txBody>
+          <a:bodyPr>
+            <a:normAutofit fontScale="90000"/>
+          </a:bodyPr>
+          <a:lstStyle/>
+          <a:p>
+            <a:r>
+              <a:rPr lang="en-US" dirty="0"/>
+              <a:t>What is the Cameo Concept Modeler?</a:t>
+            </a:r>
+          </a:p>
+        </p:txBody>
+      </p:sp>
+    </p:spTree>
+    <p:extLst>
+      <p:ext uri="{BB962C8B-B14F-4D97-AF65-F5344CB8AC3E}">
+        <p14:creationId xmlns:p14="http://schemas.microsoft.com/office/powerpoint/2010/main" val="3395769803"/>
+      </p:ext>
+    </p:extLst>
+  </p:cSld>
+  <p:clrMapOvr>
+    <a:masterClrMapping/>
+  </p:clrMapOvr>
+</p:sld>
+</file>
+
+<file path=ppt/slides/slide5.xml><?xml version="1.0" encoding="utf-8"?>
+<p:sld xmlns:a="http://schemas.openxmlformats.org/drawingml/2006/main" xmlns:r="http://schemas.openxmlformats.org/officeDocument/2006/relationships" xmlns:p="http://schemas.openxmlformats.org/presentationml/2006/main">
+  <p:cSld>
+    <p:spTree>
+      <p:nvGrpSpPr>
+        <p:cNvPr id="1" name=""/>
+        <p:cNvGrpSpPr/>
+        <p:nvPr/>
+      </p:nvGrpSpPr>
+      <p:grpSpPr>
+        <a:xfrm>
+          <a:off x="0" y="0"/>
+          <a:ext cx="0" cy="0"/>
+          <a:chOff x="0" y="0"/>
+          <a:chExt cx="0" cy="0"/>
+        </a:xfrm>
+      </p:grpSpPr>
+      <p:sp>
+        <p:nvSpPr>
+          <p:cNvPr id="2" name="Content Placeholder 1"/>
+          <p:cNvSpPr>
+            <a:spLocks noGrp="1"/>
+          </p:cNvSpPr>
+          <p:nvPr>
+            <p:ph sz="quarter" idx="13"/>
+          </p:nvPr>
+        </p:nvSpPr>
+        <p:spPr/>
+        <p:txBody>
+          <a:bodyPr/>
+          <a:lstStyle/>
+          <a:p>
+            <a:pPr marL="285750" indent="-285750">
+              <a:buFont typeface="Arial"/>
+              <a:buChar char="•"/>
+            </a:pPr>
+            <a:r>
+              <a:rPr lang="en-US" dirty="0"/>
+              <a:t>Ingests existing OWL ontologies</a:t>
+            </a:r>
+          </a:p>
+          <a:p>
+            <a:pPr marL="285750" indent="-285750">
+              <a:buFont typeface="Arial"/>
+              <a:buChar char="•"/>
+            </a:pPr>
+            <a:r>
+              <a:rPr lang="en-US" dirty="0"/>
+              <a:t>Provides capability for domain concept modeling</a:t>
+            </a:r>
+          </a:p>
+          <a:p>
+            <a:pPr marL="285750" indent="-285750">
+              <a:buFont typeface="Arial"/>
+              <a:buChar char="•"/>
+            </a:pPr>
+            <a:r>
+              <a:rPr lang="en-US" dirty="0"/>
+              <a:t>Provides capability for diagram and natural-language glossary validation with business SMEs</a:t>
+            </a:r>
+          </a:p>
+          <a:p>
+            <a:pPr marL="285750" indent="-285750">
+              <a:buFont typeface="Arial"/>
+              <a:buChar char="•"/>
+            </a:pPr>
+            <a:r>
+              <a:rPr lang="en-US" dirty="0"/>
+              <a:t>Emits OWL ontologies</a:t>
+            </a:r>
+          </a:p>
+          <a:p>
+            <a:pPr marL="285750" indent="-285750">
+              <a:buFont typeface="Arial"/>
+              <a:buChar char="•"/>
+            </a:pPr>
+            <a:r>
+              <a:rPr lang="en-US" dirty="0"/>
+              <a:t>“Round trips” edited OWL</a:t>
+            </a:r>
+          </a:p>
+          <a:p>
+            <a:pPr marL="285750" indent="-285750">
+              <a:buFont typeface="Arial"/>
+              <a:buChar char="•"/>
+            </a:pPr>
+            <a:r>
+              <a:rPr lang="en-US" dirty="0"/>
+              <a:t>(patterns)</a:t>
+            </a:r>
+          </a:p>
+        </p:txBody>
+      </p:sp>
+      <p:sp>
+        <p:nvSpPr>
+          <p:cNvPr id="3" name="Date Placeholder 2"/>
+          <p:cNvSpPr>
+            <a:spLocks noGrp="1"/>
+          </p:cNvSpPr>
+          <p:nvPr>
+            <p:ph type="dt" sz="half" idx="14"/>
+          </p:nvPr>
+        </p:nvSpPr>
+        <p:spPr/>
+        <p:txBody>
+          <a:bodyPr/>
+          <a:lstStyle/>
+          <a:p>
+            <a:r>
+              <a:rPr lang="en-US"/>
+              <a:t>June 2016</a:t>
+            </a:r>
+            <a:endParaRPr lang="en-US" dirty="0"/>
+          </a:p>
+        </p:txBody>
+      </p:sp>
+      <p:sp>
+        <p:nvSpPr>
+          <p:cNvPr id="4" name="Slide Number Placeholder 3"/>
+          <p:cNvSpPr>
+            <a:spLocks noGrp="1"/>
+          </p:cNvSpPr>
+          <p:nvPr>
+            <p:ph type="sldNum" sz="quarter" idx="15"/>
+          </p:nvPr>
+        </p:nvSpPr>
+        <p:spPr/>
+        <p:txBody>
+          <a:bodyPr/>
+          <a:lstStyle/>
+          <a:p>
+            <a:fld id="{987D7693-E132-40A2-A808-4CF056E677D9}" type="slidenum">
+              <a:rPr lang="en-US" smtClean="0"/>
+              <a:t>5</a:t>
+            </a:fld>
+            <a:endParaRPr lang="en-US" dirty="0"/>
+          </a:p>
+        </p:txBody>
+      </p:sp>
+      <p:sp>
+        <p:nvSpPr>
+          <p:cNvPr id="5" name="Footer Placeholder 4"/>
+          <p:cNvSpPr>
+            <a:spLocks noGrp="1"/>
+          </p:cNvSpPr>
+          <p:nvPr>
+            <p:ph type="ftr" sz="quarter" idx="16"/>
+          </p:nvPr>
+        </p:nvSpPr>
+        <p:spPr/>
+        <p:txBody>
+          <a:bodyPr/>
+          <a:lstStyle/>
+          <a:p>
+            <a:endParaRPr lang="en-US" dirty="0"/>
+          </a:p>
+        </p:txBody>
+      </p:sp>
+      <p:sp>
+        <p:nvSpPr>
+          <p:cNvPr id="6" name="Title 5"/>
+          <p:cNvSpPr>
+            <a:spLocks noGrp="1"/>
+          </p:cNvSpPr>
+          <p:nvPr>
+            <p:ph type="title"/>
+          </p:nvPr>
+        </p:nvSpPr>
+        <p:spPr/>
+        <p:txBody>
+          <a:bodyPr/>
+          <a:lstStyle/>
+          <a:p>
+            <a:r>
+              <a:rPr lang="en-US" dirty="0"/>
+              <a:t>What does CCM 18.x Do Now?</a:t>
+            </a:r>
+          </a:p>
+        </p:txBody>
+      </p:sp>
+    </p:spTree>
+    <p:extLst>
+      <p:ext uri="{BB962C8B-B14F-4D97-AF65-F5344CB8AC3E}">
+        <p14:creationId xmlns:p14="http://schemas.microsoft.com/office/powerpoint/2010/main" val="1366463606"/>
+      </p:ext>
+    </p:extLst>
+  </p:cSld>
+  <p:clrMapOvr>
+    <a:masterClrMapping/>
+  </p:clrMapOvr>
+</p:sld>
+</file>
+
+<file path=ppt/slides/slide6.xml><?xml version="1.0" encoding="utf-8"?>
+<p:sld xmlns:a="http://schemas.openxmlformats.org/drawingml/2006/main" xmlns:r="http://schemas.openxmlformats.org/officeDocument/2006/relationships" xmlns:p="http://schemas.openxmlformats.org/presentationml/2006/main">
+  <p:cSld>
+    <p:spTree>
+      <p:nvGrpSpPr>
+        <p:cNvPr id="1" name=""/>
+        <p:cNvGrpSpPr/>
+        <p:nvPr/>
+      </p:nvGrpSpPr>
+      <p:grpSpPr>
+        <a:xfrm>
+          <a:off x="0" y="0"/>
+          <a:ext cx="0" cy="0"/>
+          <a:chOff x="0" y="0"/>
+          <a:chExt cx="0" cy="0"/>
+        </a:xfrm>
+      </p:grpSpPr>
+      <p:sp>
+        <p:nvSpPr>
+          <p:cNvPr id="2" name="Content Placeholder 1"/>
+          <p:cNvSpPr>
+            <a:spLocks noGrp="1"/>
+          </p:cNvSpPr>
+          <p:nvPr>
+            <p:ph sz="quarter" idx="13"/>
+          </p:nvPr>
+        </p:nvSpPr>
+        <p:spPr/>
+        <p:txBody>
+          <a:bodyPr/>
+          <a:lstStyle/>
+          <a:p>
+            <a:pPr marL="285750" indent="-285750">
+              <a:buFont typeface="Arial"/>
+              <a:buChar char="•"/>
+            </a:pPr>
+            <a:r>
+              <a:rPr lang="en-US" dirty="0"/>
+              <a:t>Record design decisions to forward generate information models in SQL, XML, OWL, SHACL</a:t>
+            </a:r>
+          </a:p>
+          <a:p>
+            <a:pPr marL="285750" indent="-285750">
+              <a:buFont typeface="Arial"/>
+              <a:buChar char="•"/>
+            </a:pPr>
+            <a:r>
+              <a:rPr lang="en-US" dirty="0"/>
+              <a:t>Connect to Cameo Data Modeler 19.x for generation of SQL and XML schemas</a:t>
+            </a:r>
+          </a:p>
+          <a:p>
+            <a:pPr marL="285750" indent="-285750">
+              <a:buFont typeface="Arial"/>
+              <a:buChar char="•"/>
+            </a:pPr>
+            <a:r>
+              <a:rPr lang="en-US" dirty="0" err="1"/>
+              <a:t>Bidirectionally</a:t>
+            </a:r>
+            <a:r>
+              <a:rPr lang="en-US" dirty="0"/>
+              <a:t> map multiple information models to reference concept models</a:t>
+            </a:r>
+          </a:p>
+          <a:p>
+            <a:pPr marL="285750" indent="-285750">
+              <a:buFont typeface="Arial"/>
+              <a:buChar char="•"/>
+            </a:pPr>
+            <a:r>
+              <a:rPr lang="en-US" dirty="0"/>
+              <a:t>Information federation / semantic mediation:</a:t>
+            </a:r>
+          </a:p>
+          <a:p>
+            <a:pPr marL="457200" lvl="1" indent="-285750">
+              <a:buFont typeface="Arial"/>
+              <a:buChar char="•"/>
+            </a:pPr>
+            <a:r>
+              <a:rPr lang="en-US" dirty="0"/>
+              <a:t>Across multiple systems, query data representing business concepts</a:t>
+            </a:r>
+          </a:p>
+          <a:p>
+            <a:pPr marL="457200" lvl="1" indent="-285750">
+              <a:buFont typeface="Arial"/>
+              <a:buChar char="•"/>
+            </a:pPr>
+            <a:r>
+              <a:rPr lang="en-US" dirty="0"/>
+              <a:t>Provide the models to be used by runtime information-federation engines</a:t>
+            </a:r>
+          </a:p>
+          <a:p>
+            <a:pPr marL="457200" lvl="1" indent="-285750">
+              <a:buFont typeface="Arial"/>
+              <a:buChar char="•"/>
+            </a:pPr>
+            <a:r>
+              <a:rPr lang="en-US" dirty="0"/>
+              <a:t>Project federated information for analytics engines</a:t>
+            </a:r>
+          </a:p>
+          <a:p>
+            <a:pPr marL="285750" indent="-285750">
+              <a:buFont typeface="Arial"/>
+              <a:buChar char="•"/>
+            </a:pPr>
+            <a:r>
+              <a:rPr lang="en-US" dirty="0"/>
+              <a:t>Provide analysis-level models for executable UML (i.e., </a:t>
+            </a:r>
+            <a:r>
+              <a:rPr lang="en-US" dirty="0" err="1"/>
+              <a:t>fUML</a:t>
+            </a:r>
+            <a:r>
+              <a:rPr lang="en-US" dirty="0"/>
+              <a:t>, Alf, full code generation)</a:t>
+            </a:r>
+          </a:p>
+        </p:txBody>
+      </p:sp>
+      <p:sp>
+        <p:nvSpPr>
+          <p:cNvPr id="3" name="Date Placeholder 2"/>
+          <p:cNvSpPr>
+            <a:spLocks noGrp="1"/>
+          </p:cNvSpPr>
+          <p:nvPr>
+            <p:ph type="dt" sz="half" idx="14"/>
+          </p:nvPr>
+        </p:nvSpPr>
+        <p:spPr/>
+        <p:txBody>
+          <a:bodyPr/>
+          <a:lstStyle/>
+          <a:p>
+            <a:r>
+              <a:rPr lang="en-US"/>
+              <a:t>June 2016</a:t>
+            </a:r>
+            <a:endParaRPr lang="en-US" dirty="0"/>
+          </a:p>
+        </p:txBody>
+      </p:sp>
+      <p:sp>
+        <p:nvSpPr>
+          <p:cNvPr id="4" name="Slide Number Placeholder 3"/>
+          <p:cNvSpPr>
+            <a:spLocks noGrp="1"/>
+          </p:cNvSpPr>
+          <p:nvPr>
+            <p:ph type="sldNum" sz="quarter" idx="15"/>
+          </p:nvPr>
+        </p:nvSpPr>
+        <p:spPr/>
+        <p:txBody>
+          <a:bodyPr/>
+          <a:lstStyle/>
+          <a:p>
+            <a:fld id="{987D7693-E132-40A2-A808-4CF056E677D9}" type="slidenum">
+              <a:rPr lang="en-US" smtClean="0"/>
+              <a:t>6</a:t>
+            </a:fld>
+            <a:endParaRPr lang="en-US" dirty="0"/>
+          </a:p>
+        </p:txBody>
+      </p:sp>
+      <p:sp>
+        <p:nvSpPr>
+          <p:cNvPr id="5" name="Footer Placeholder 4"/>
+          <p:cNvSpPr>
+            <a:spLocks noGrp="1"/>
+          </p:cNvSpPr>
+          <p:nvPr>
+            <p:ph type="ftr" sz="quarter" idx="16"/>
+          </p:nvPr>
+        </p:nvSpPr>
+        <p:spPr/>
+        <p:txBody>
+          <a:bodyPr/>
+          <a:lstStyle/>
+          <a:p>
+            <a:endParaRPr lang="en-US" dirty="0"/>
+          </a:p>
+        </p:txBody>
+      </p:sp>
+      <p:sp>
+        <p:nvSpPr>
+          <p:cNvPr id="6" name="Title 5"/>
+          <p:cNvSpPr>
+            <a:spLocks noGrp="1"/>
+          </p:cNvSpPr>
+          <p:nvPr>
+            <p:ph type="title"/>
+          </p:nvPr>
+        </p:nvSpPr>
+        <p:spPr/>
+        <p:txBody>
+          <a:bodyPr>
+            <a:normAutofit fontScale="90000"/>
+          </a:bodyPr>
+          <a:lstStyle/>
+          <a:p>
+            <a:r>
+              <a:rPr lang="en-US" dirty="0"/>
+              <a:t>What will CCM do in version 19.x and beyond?</a:t>
+            </a:r>
+          </a:p>
+        </p:txBody>
+      </p:sp>
+    </p:spTree>
+    <p:extLst>
+      <p:ext uri="{BB962C8B-B14F-4D97-AF65-F5344CB8AC3E}">
+        <p14:creationId xmlns:p14="http://schemas.microsoft.com/office/powerpoint/2010/main" val="2798901226"/>
+      </p:ext>
+    </p:extLst>
+  </p:cSld>
+  <p:clrMapOvr>
+    <a:masterClrMapping/>
+  </p:clrMapOvr>
+</p:sld>
+</file>
+
+<file path=ppt/slides/slide7.xml><?xml version="1.0" encoding="utf-8"?>
+<p:sld xmlns:a="http://schemas.openxmlformats.org/drawingml/2006/main" xmlns:r="http://schemas.openxmlformats.org/officeDocument/2006/relationships" xmlns:p="http://schemas.openxmlformats.org/presentationml/2006/main">
+  <p:cSld>
+    <p:spTree>
+      <p:nvGrpSpPr>
+        <p:cNvPr id="1" name=""/>
+        <p:cNvGrpSpPr/>
+        <p:nvPr/>
+      </p:nvGrpSpPr>
+      <p:grpSpPr>
+        <a:xfrm>
+          <a:off x="0" y="0"/>
+          <a:ext cx="0" cy="0"/>
+          <a:chOff x="0" y="0"/>
+          <a:chExt cx="0" cy="0"/>
+        </a:xfrm>
+      </p:grpSpPr>
+      <p:sp>
+        <p:nvSpPr>
+          <p:cNvPr id="2" name="Content Placeholder 1"/>
+          <p:cNvSpPr>
+            <a:spLocks noGrp="1"/>
+          </p:cNvSpPr>
+          <p:nvPr>
+            <p:ph sz="quarter" idx="13"/>
+          </p:nvPr>
+        </p:nvSpPr>
+        <p:spPr/>
+        <p:txBody>
+          <a:bodyPr/>
+          <a:lstStyle/>
+          <a:p>
+            <a:pPr marL="285750" indent="-285750">
+              <a:buFont typeface="Arial"/>
+              <a:buChar char="•"/>
+            </a:pPr>
+            <a:r>
+              <a:rPr lang="en-US" dirty="0"/>
+              <a:t>Implementations have been informing the specification:</a:t>
+            </a:r>
+          </a:p>
+          <a:p>
+            <a:pPr marL="457200" lvl="1" indent="-285750">
+              <a:buFont typeface="Arial"/>
+              <a:buChar char="•"/>
+            </a:pPr>
+            <a:r>
+              <a:rPr lang="en-US" dirty="0"/>
+              <a:t>Discovered a problem with reusable UML constraints</a:t>
+            </a:r>
+          </a:p>
+          <a:p>
+            <a:pPr marL="457200" lvl="1" indent="-285750">
+              <a:buFont typeface="Arial"/>
+              <a:buChar char="•"/>
+            </a:pPr>
+            <a:r>
+              <a:rPr lang="en-US" dirty="0"/>
+              <a:t>Discovered shortcomings in work with the FIBO team</a:t>
+            </a:r>
+          </a:p>
+          <a:p>
+            <a:pPr marL="457200" lvl="1" indent="-285750">
+              <a:buFont typeface="Arial"/>
+              <a:buChar char="•"/>
+            </a:pPr>
+            <a:r>
+              <a:rPr lang="en-US" dirty="0"/>
+              <a:t>Valuable experience validating FIBO-V with actual business SMEs</a:t>
+            </a:r>
+          </a:p>
+          <a:p>
+            <a:pPr marL="457200" lvl="1" indent="-285750">
+              <a:buFont typeface="Arial"/>
+              <a:buChar char="•"/>
+            </a:pPr>
+            <a:r>
+              <a:rPr lang="en-US" dirty="0"/>
+              <a:t>Valuable feedback on profile understandability</a:t>
+            </a:r>
+          </a:p>
+          <a:p>
+            <a:pPr marL="285750" indent="-285750">
+              <a:buFont typeface="Arial"/>
+              <a:buChar char="•"/>
+            </a:pPr>
+            <a:r>
+              <a:rPr lang="en-US" dirty="0"/>
+              <a:t>Stronger formalization and provable grounding of the SMIF kernel</a:t>
+            </a:r>
+          </a:p>
+          <a:p>
+            <a:pPr marL="285750" indent="-285750">
+              <a:buFont typeface="Arial"/>
+              <a:buChar char="•"/>
+            </a:pPr>
+            <a:r>
+              <a:rPr lang="en-US" dirty="0"/>
+              <a:t>Internet standards are based on running code and rough consensus</a:t>
+            </a:r>
+          </a:p>
+          <a:p>
+            <a:pPr marL="285750" indent="-285750">
+              <a:buFont typeface="Arial"/>
+              <a:buChar char="•"/>
+            </a:pPr>
+            <a:r>
+              <a:rPr lang="en-US" dirty="0"/>
+              <a:t>We plan to exceed the requirements of the OMG process by having multiple implementations on adoption, not one year later</a:t>
+            </a:r>
+          </a:p>
+          <a:p>
+            <a:pPr marL="285750" indent="-285750">
+              <a:buFont typeface="Arial"/>
+              <a:buChar char="•"/>
+            </a:pPr>
+            <a:endParaRPr lang="en-US" dirty="0"/>
+          </a:p>
+        </p:txBody>
+      </p:sp>
+      <p:sp>
+        <p:nvSpPr>
+          <p:cNvPr id="3" name="Date Placeholder 2"/>
+          <p:cNvSpPr>
+            <a:spLocks noGrp="1"/>
+          </p:cNvSpPr>
+          <p:nvPr>
+            <p:ph type="dt" sz="half" idx="14"/>
+          </p:nvPr>
+        </p:nvSpPr>
+        <p:spPr/>
+        <p:txBody>
+          <a:bodyPr/>
+          <a:lstStyle/>
+          <a:p>
+            <a:r>
+              <a:rPr lang="en-US"/>
+              <a:t>June 2016</a:t>
+            </a:r>
+            <a:endParaRPr lang="en-US" dirty="0"/>
+          </a:p>
+        </p:txBody>
+      </p:sp>
+      <p:sp>
+        <p:nvSpPr>
+          <p:cNvPr id="4" name="Slide Number Placeholder 3"/>
+          <p:cNvSpPr>
+            <a:spLocks noGrp="1"/>
+          </p:cNvSpPr>
+          <p:nvPr>
+            <p:ph type="sldNum" sz="quarter" idx="15"/>
+          </p:nvPr>
+        </p:nvSpPr>
+        <p:spPr/>
+        <p:txBody>
+          <a:bodyPr/>
+          <a:lstStyle/>
+          <a:p>
+            <a:fld id="{987D7693-E132-40A2-A808-4CF056E677D9}" type="slidenum">
+              <a:rPr lang="en-US" smtClean="0"/>
+              <a:t>7</a:t>
+            </a:fld>
+            <a:endParaRPr lang="en-US" dirty="0"/>
+          </a:p>
+        </p:txBody>
+      </p:sp>
+      <p:sp>
+        <p:nvSpPr>
+          <p:cNvPr id="5" name="Footer Placeholder 4"/>
+          <p:cNvSpPr>
+            <a:spLocks noGrp="1"/>
+          </p:cNvSpPr>
+          <p:nvPr>
+            <p:ph type="ftr" sz="quarter" idx="16"/>
+          </p:nvPr>
+        </p:nvSpPr>
+        <p:spPr/>
+        <p:txBody>
+          <a:bodyPr/>
+          <a:lstStyle/>
+          <a:p>
+            <a:endParaRPr lang="en-US" dirty="0"/>
+          </a:p>
+        </p:txBody>
+      </p:sp>
+      <p:sp>
+        <p:nvSpPr>
+          <p:cNvPr id="6" name="Title 5"/>
+          <p:cNvSpPr>
+            <a:spLocks noGrp="1"/>
+          </p:cNvSpPr>
+          <p:nvPr>
+            <p:ph type="title"/>
+          </p:nvPr>
+        </p:nvSpPr>
+        <p:spPr/>
+        <p:txBody>
+          <a:bodyPr/>
+          <a:lstStyle/>
+          <a:p>
+            <a:r>
+              <a:rPr lang="en-US" dirty="0"/>
+              <a:t>Why reschedule SMIF?</a:t>
+            </a:r>
+          </a:p>
+        </p:txBody>
+      </p:sp>
+    </p:spTree>
+    <p:extLst>
+      <p:ext uri="{BB962C8B-B14F-4D97-AF65-F5344CB8AC3E}">
+        <p14:creationId xmlns:p14="http://schemas.microsoft.com/office/powerpoint/2010/main" val="2328854855"/>
+      </p:ext>
+    </p:extLst>
+  </p:cSld>
+  <p:clrMapOvr>
+    <a:masterClrMapping/>
+  </p:clrMapOvr>
+</p:sld>
+</file>
+
+<file path=ppt/slides/slide8.xml><?xml version="1.0" encoding="utf-8"?>
+<p:sld xmlns:a="http://schemas.openxmlformats.org/drawingml/2006/main" xmlns:r="http://schemas.openxmlformats.org/officeDocument/2006/relationships" xmlns:p="http://schemas.openxmlformats.org/presentationml/2006/main">
+  <p:cSld>
+    <p:spTree>
+      <p:nvGrpSpPr>
+        <p:cNvPr id="1" name=""/>
+        <p:cNvGrpSpPr/>
+        <p:nvPr/>
+      </p:nvGrpSpPr>
+      <p:grpSpPr>
+        <a:xfrm>
+          <a:off x="0" y="0"/>
+          <a:ext cx="0" cy="0"/>
+          <a:chOff x="0" y="0"/>
+          <a:chExt cx="0" cy="0"/>
+        </a:xfrm>
+      </p:grpSpPr>
+      <p:sp>
+        <p:nvSpPr>
+          <p:cNvPr id="8" name="Subtitle 7"/>
+          <p:cNvSpPr>
+            <a:spLocks noGrp="1"/>
+          </p:cNvSpPr>
+          <p:nvPr>
+            <p:ph type="subTitle" idx="1"/>
+          </p:nvPr>
+        </p:nvSpPr>
+        <p:spPr/>
+        <p:txBody>
+          <a:bodyPr/>
+          <a:lstStyle/>
+          <a:p>
+            <a:r>
+              <a:rPr lang="en-US" dirty="0"/>
+              <a:t>Revised submission date: June</a:t>
+            </a:r>
+          </a:p>
+        </p:txBody>
+      </p:sp>
+      <p:sp>
+        <p:nvSpPr>
+          <p:cNvPr id="3" name="Date Placeholder 2"/>
+          <p:cNvSpPr>
+            <a:spLocks noGrp="1"/>
+          </p:cNvSpPr>
+          <p:nvPr>
+            <p:ph type="dt" sz="half" idx="10"/>
+          </p:nvPr>
+        </p:nvSpPr>
+        <p:spPr/>
+        <p:txBody>
+          <a:bodyPr/>
+          <a:lstStyle/>
+          <a:p>
+            <a:r>
+              <a:rPr lang="en-US"/>
+              <a:t>June 2016</a:t>
+            </a:r>
+            <a:endParaRPr lang="en-US" dirty="0"/>
+          </a:p>
+        </p:txBody>
+      </p:sp>
+      <p:sp>
+        <p:nvSpPr>
+          <p:cNvPr id="4" name="Slide Number Placeholder 3"/>
+          <p:cNvSpPr>
+            <a:spLocks noGrp="1"/>
+          </p:cNvSpPr>
+          <p:nvPr>
+            <p:ph type="sldNum" sz="quarter" idx="11"/>
+          </p:nvPr>
+        </p:nvSpPr>
+        <p:spPr/>
+        <p:txBody>
+          <a:bodyPr/>
+          <a:lstStyle/>
+          <a:p>
+            <a:fld id="{987D7693-E132-40A2-A808-4CF056E677D9}" type="slidenum">
+              <a:rPr lang="en-US" smtClean="0"/>
+              <a:t>8</a:t>
             </a:fld>
             <a:endParaRPr lang="en-US" dirty="0"/>
           </a:p>

--- a/Presentations/SIMF_OMG_201709.pptx
+++ b/Presentations/SIMF_OMG_201709.pptx
@@ -137,10 +137,6 @@
     </p:ext>
   </p:extLst>
 </p:presentation>
-</file>
-
-<file path=ppt/revisionInfo.xml><?xml version="1.0" encoding="utf-8"?>
-<p1510:revInfo xmlns:a="http://schemas.openxmlformats.org/drawingml/2006/main" xmlns:r="http://schemas.openxmlformats.org/officeDocument/2006/relationships" xmlns:p1510="http://schemas.microsoft.com/office/powerpoint/2015/10/main"/>
 </file>
 
 <file path=ppt/handoutMasters/handoutMaster1.xml><?xml version="1.0" encoding="utf-8"?>
@@ -5428,7 +5424,7 @@
         <p:spPr>
           <a:xfrm>
             <a:off x="3404754" y="5356947"/>
-            <a:ext cx="1752600" cy="762000"/>
+            <a:ext cx="1548960" cy="762000"/>
           </a:xfrm>
           <a:prstGeom prst="flowChartMagneticDisk">
             <a:avLst/>
@@ -6211,8 +6207,8 @@
         </p:nvSpPr>
         <p:spPr>
           <a:xfrm>
-            <a:off x="5320147" y="5404573"/>
-            <a:ext cx="914400" cy="609600"/>
+            <a:off x="5098291" y="5426937"/>
+            <a:ext cx="779318" cy="609600"/>
           </a:xfrm>
           <a:prstGeom prst="flowChartProcess">
             <a:avLst/>
@@ -6280,8 +6276,8 @@
         </p:nvSpPr>
         <p:spPr>
           <a:xfrm>
-            <a:off x="6258792" y="5404573"/>
-            <a:ext cx="914400" cy="609600"/>
+            <a:off x="5895289" y="5426937"/>
+            <a:ext cx="779318" cy="609600"/>
           </a:xfrm>
           <a:prstGeom prst="flowChartProcess">
             <a:avLst/>
@@ -6349,8 +6345,8 @@
         </p:nvSpPr>
         <p:spPr>
           <a:xfrm>
-            <a:off x="7197437" y="5404573"/>
-            <a:ext cx="914400" cy="609600"/>
+            <a:off x="6692287" y="5438412"/>
+            <a:ext cx="779318" cy="609600"/>
           </a:xfrm>
           <a:prstGeom prst="flowChartProcess">
             <a:avLst/>
@@ -6418,8 +6414,8 @@
         </p:nvSpPr>
         <p:spPr>
           <a:xfrm>
-            <a:off x="5320147" y="5029632"/>
-            <a:ext cx="2791690" cy="358486"/>
+            <a:off x="5098290" y="5130182"/>
+            <a:ext cx="3172865" cy="280300"/>
           </a:xfrm>
           <a:prstGeom prst="flowChartProcess">
             <a:avLst/>
@@ -6572,8 +6568,8 @@
         </p:nvSpPr>
         <p:spPr>
           <a:xfrm>
-            <a:off x="8136082" y="5404573"/>
-            <a:ext cx="914400" cy="609600"/>
+            <a:off x="8283187" y="5415264"/>
+            <a:ext cx="854156" cy="640209"/>
           </a:xfrm>
           <a:prstGeom prst="flowChartProcess">
             <a:avLst/>
@@ -6685,7 +6681,7 @@
         </p:nvSpPr>
         <p:spPr>
           <a:xfrm>
-            <a:off x="6158346" y="6229350"/>
+            <a:off x="5749082" y="6264340"/>
             <a:ext cx="1108363" cy="371476"/>
           </a:xfrm>
           <a:prstGeom prst="rect">
@@ -6734,7 +6730,7 @@
         </p:nvSpPr>
         <p:spPr>
           <a:xfrm rot="10800000">
-            <a:off x="7300481" y="6044782"/>
+            <a:off x="6891217" y="6079772"/>
             <a:ext cx="457200" cy="498894"/>
           </a:xfrm>
           <a:prstGeom prst="bentArrow">
@@ -6784,7 +6780,7 @@
         </p:nvSpPr>
         <p:spPr>
           <a:xfrm rot="10800000" flipH="1">
-            <a:off x="5705329" y="6029477"/>
+            <a:off x="5296065" y="6064467"/>
             <a:ext cx="457200" cy="498894"/>
           </a:xfrm>
           <a:prstGeom prst="bentArrow">
@@ -6874,6 +6870,105 @@
             <a:r>
               <a:rPr lang="en-US" sz="1600" dirty="0"/>
               <a:t>Implements SMIF Semantics as Java code</a:t>
+            </a:r>
+          </a:p>
+        </p:txBody>
+      </p:sp>
+      <p:pic>
+        <p:nvPicPr>
+          <p:cNvPr id="21" name="Picture 20">
+            <a:extLst>
+              <a:ext uri="{FF2B5EF4-FFF2-40B4-BE49-F238E27FC236}">
+                <a16:creationId xmlns:a16="http://schemas.microsoft.com/office/drawing/2014/main" id="{36C04CE6-C794-4ED1-B6D7-DC477516E482}"/>
+              </a:ext>
+            </a:extLst>
+          </p:cNvPr>
+          <p:cNvPicPr>
+            <a:picLocks noChangeAspect="1"/>
+          </p:cNvPicPr>
+          <p:nvPr/>
+        </p:nvPicPr>
+        <p:blipFill>
+          <a:blip r:embed="rId3"/>
+          <a:stretch>
+            <a:fillRect/>
+          </a:stretch>
+        </p:blipFill>
+        <p:spPr>
+          <a:xfrm>
+            <a:off x="6254828" y="116558"/>
+            <a:ext cx="2701963" cy="1426548"/>
+          </a:xfrm>
+          <a:prstGeom prst="rect">
+            <a:avLst/>
+          </a:prstGeom>
+        </p:spPr>
+      </p:pic>
+      <p:sp>
+        <p:nvSpPr>
+          <p:cNvPr id="38" name="Flowchart: Process 37">
+            <a:extLst>
+              <a:ext uri="{FF2B5EF4-FFF2-40B4-BE49-F238E27FC236}">
+                <a16:creationId xmlns:a16="http://schemas.microsoft.com/office/drawing/2014/main" id="{753C76A3-8872-418B-B58C-CEE7E67EA83A}"/>
+              </a:ext>
+            </a:extLst>
+          </p:cNvPr>
+          <p:cNvSpPr/>
+          <p:nvPr/>
+        </p:nvSpPr>
+        <p:spPr>
+          <a:xfrm>
+            <a:off x="7491838" y="5431841"/>
+            <a:ext cx="779318" cy="609600"/>
+          </a:xfrm>
+          <a:prstGeom prst="flowChartProcess">
+            <a:avLst/>
+          </a:prstGeom>
+          <a:solidFill>
+            <a:schemeClr val="accent2">
+              <a:lumMod val="50000"/>
+            </a:schemeClr>
+          </a:solidFill>
+        </p:spPr>
+        <p:style>
+          <a:lnRef idx="2">
+            <a:schemeClr val="accent1">
+              <a:shade val="50000"/>
+            </a:schemeClr>
+          </a:lnRef>
+          <a:fillRef idx="1">
+            <a:schemeClr val="accent1"/>
+          </a:fillRef>
+          <a:effectRef idx="0">
+            <a:schemeClr val="accent1"/>
+          </a:effectRef>
+          <a:fontRef idx="minor">
+            <a:schemeClr val="lt1"/>
+          </a:fontRef>
+        </p:style>
+        <p:txBody>
+          <a:bodyPr rtlCol="0" anchor="ctr"/>
+          <a:lstStyle/>
+          <a:p>
+            <a:pPr algn="ctr"/>
+            <a:r>
+              <a:rPr lang="en-US" dirty="0">
+                <a:solidFill>
+                  <a:srgbClr val="FFFF00"/>
+                </a:solidFill>
+              </a:rPr>
+              <a:t>XMI</a:t>
+            </a:r>
+          </a:p>
+          <a:p>
+            <a:pPr algn="ctr"/>
+            <a:r>
+              <a:rPr lang="en-US" dirty="0">
+                <a:solidFill>
+                  <a:srgbClr val="FFFF00"/>
+                </a:solidFill>
+              </a:rPr>
+              <a:t>Facet</a:t>
             </a:r>
           </a:p>
         </p:txBody>
@@ -7598,7 +7693,7 @@
             </a:pPr>
             <a:r>
               <a:rPr lang="en-US" dirty="0"/>
-              <a:t>Discovered shortcomings in work with the FIBO team</a:t>
+              <a:t>Refinement of the SMIF model</a:t>
             </a:r>
           </a:p>
           <a:p>
@@ -7608,7 +7703,7 @@
             </a:pPr>
             <a:r>
               <a:rPr lang="en-US" dirty="0"/>
-              <a:t>Valuable experience validating FIBO-V with actual business SMEs</a:t>
+              <a:t>Discovered shortcomings in work with the FIBO team</a:t>
             </a:r>
           </a:p>
           <a:p>
@@ -7618,6 +7713,16 @@
             </a:pPr>
             <a:r>
               <a:rPr lang="en-US" dirty="0"/>
+              <a:t>Valuable experience validating FIBO-V with actual business SMEs</a:t>
+            </a:r>
+          </a:p>
+          <a:p>
+            <a:pPr marL="457200" lvl="1" indent="-285750">
+              <a:buFont typeface="Arial"/>
+              <a:buChar char="•"/>
+            </a:pPr>
+            <a:r>
+              <a:rPr lang="en-US" dirty="0"/>
               <a:t>Valuable feedback on profile understandability</a:t>
             </a:r>
           </a:p>
@@ -7638,17 +7743,17 @@
             </a:pPr>
             <a:r>
               <a:rPr lang="en-US" dirty="0"/>
-              <a:t>Internet standards are based on running code and rough consensus</a:t>
-            </a:r>
-          </a:p>
-          <a:p>
-            <a:pPr marL="285750" indent="-285750">
+              <a:t>We plan to exceed the requirements of the OMG process by having multiple implementations on adoption, not one year later</a:t>
+            </a:r>
+          </a:p>
+          <a:p>
+            <a:pPr marL="457200" lvl="1" indent="-285750">
               <a:buFont typeface="Arial"/>
               <a:buChar char="•"/>
             </a:pPr>
             <a:r>
               <a:rPr lang="en-US" dirty="0"/>
-              <a:t>We plan to exceed the requirements of the OMG process by having multiple implementations on adoption, not one year later</a:t>
+              <a:t>Note: Internet standards are based on running code and rough consensus</a:t>
             </a:r>
           </a:p>
           <a:p>

--- a/Presentations/SIMF_OMG_201709.pptx
+++ b/Presentations/SIMF_OMG_201709.pptx
@@ -5,20 +5,22 @@
     <p:sldMasterId id="2147483684" r:id="rId1"/>
   </p:sldMasterIdLst>
   <p:notesMasterIdLst>
-    <p:notesMasterId r:id="rId10"/>
+    <p:notesMasterId r:id="rId12"/>
   </p:notesMasterIdLst>
   <p:handoutMasterIdLst>
-    <p:handoutMasterId r:id="rId11"/>
+    <p:handoutMasterId r:id="rId13"/>
   </p:handoutMasterIdLst>
   <p:sldIdLst>
     <p:sldId id="456" r:id="rId2"/>
     <p:sldId id="539" r:id="rId3"/>
     <p:sldId id="545" r:id="rId4"/>
-    <p:sldId id="541" r:id="rId5"/>
-    <p:sldId id="542" r:id="rId6"/>
-    <p:sldId id="543" r:id="rId7"/>
-    <p:sldId id="544" r:id="rId8"/>
-    <p:sldId id="537" r:id="rId9"/>
+    <p:sldId id="546" r:id="rId5"/>
+    <p:sldId id="547" r:id="rId6"/>
+    <p:sldId id="541" r:id="rId7"/>
+    <p:sldId id="542" r:id="rId8"/>
+    <p:sldId id="543" r:id="rId9"/>
+    <p:sldId id="544" r:id="rId10"/>
+    <p:sldId id="537" r:id="rId11"/>
   </p:sldIdLst>
   <p:sldSz cx="9144000" cy="6858000" type="screen4x3"/>
   <p:notesSz cx="6954838" cy="9240838"/>
@@ -5006,6 +5008,145 @@
 </p:sld>
 </file>
 
+<file path=ppt/slides/slide10.xml><?xml version="1.0" encoding="utf-8"?>
+<p:sld xmlns:a="http://schemas.openxmlformats.org/drawingml/2006/main" xmlns:r="http://schemas.openxmlformats.org/officeDocument/2006/relationships" xmlns:p="http://schemas.openxmlformats.org/presentationml/2006/main">
+  <p:cSld>
+    <p:spTree>
+      <p:nvGrpSpPr>
+        <p:cNvPr id="1" name=""/>
+        <p:cNvGrpSpPr/>
+        <p:nvPr/>
+      </p:nvGrpSpPr>
+      <p:grpSpPr>
+        <a:xfrm>
+          <a:off x="0" y="0"/>
+          <a:ext cx="0" cy="0"/>
+          <a:chOff x="0" y="0"/>
+          <a:chExt cx="0" cy="0"/>
+        </a:xfrm>
+      </p:grpSpPr>
+      <p:sp>
+        <p:nvSpPr>
+          <p:cNvPr id="8" name="Subtitle 7"/>
+          <p:cNvSpPr>
+            <a:spLocks noGrp="1"/>
+          </p:cNvSpPr>
+          <p:nvPr>
+            <p:ph type="subTitle" idx="1"/>
+          </p:nvPr>
+        </p:nvSpPr>
+        <p:spPr/>
+        <p:txBody>
+          <a:bodyPr/>
+          <a:lstStyle/>
+          <a:p>
+            <a:r>
+              <a:rPr lang="en-US" dirty="0"/>
+              <a:t>Revised submission date: June</a:t>
+            </a:r>
+          </a:p>
+        </p:txBody>
+      </p:sp>
+      <p:sp>
+        <p:nvSpPr>
+          <p:cNvPr id="3" name="Date Placeholder 2"/>
+          <p:cNvSpPr>
+            <a:spLocks noGrp="1"/>
+          </p:cNvSpPr>
+          <p:nvPr>
+            <p:ph type="dt" sz="half" idx="10"/>
+          </p:nvPr>
+        </p:nvSpPr>
+        <p:spPr/>
+        <p:txBody>
+          <a:bodyPr/>
+          <a:lstStyle/>
+          <a:p>
+            <a:r>
+              <a:rPr lang="en-US"/>
+              <a:t>June 2016</a:t>
+            </a:r>
+            <a:endParaRPr lang="en-US" dirty="0"/>
+          </a:p>
+        </p:txBody>
+      </p:sp>
+      <p:sp>
+        <p:nvSpPr>
+          <p:cNvPr id="4" name="Slide Number Placeholder 3"/>
+          <p:cNvSpPr>
+            <a:spLocks noGrp="1"/>
+          </p:cNvSpPr>
+          <p:nvPr>
+            <p:ph type="sldNum" sz="quarter" idx="11"/>
+          </p:nvPr>
+        </p:nvSpPr>
+        <p:spPr/>
+        <p:txBody>
+          <a:bodyPr/>
+          <a:lstStyle/>
+          <a:p>
+            <a:fld id="{987D7693-E132-40A2-A808-4CF056E677D9}" type="slidenum">
+              <a:rPr lang="en-US" smtClean="0"/>
+              <a:t>10</a:t>
+            </a:fld>
+            <a:endParaRPr lang="en-US" dirty="0"/>
+          </a:p>
+        </p:txBody>
+      </p:sp>
+      <p:sp>
+        <p:nvSpPr>
+          <p:cNvPr id="5" name="Footer Placeholder 4"/>
+          <p:cNvSpPr>
+            <a:spLocks noGrp="1"/>
+          </p:cNvSpPr>
+          <p:nvPr>
+            <p:ph type="ftr" sz="quarter" idx="12"/>
+          </p:nvPr>
+        </p:nvSpPr>
+        <p:spPr/>
+        <p:txBody>
+          <a:bodyPr/>
+          <a:lstStyle/>
+          <a:p>
+            <a:endParaRPr lang="en-US" dirty="0"/>
+          </a:p>
+        </p:txBody>
+      </p:sp>
+      <p:sp>
+        <p:nvSpPr>
+          <p:cNvPr id="7" name="Title 6"/>
+          <p:cNvSpPr>
+            <a:spLocks noGrp="1"/>
+          </p:cNvSpPr>
+          <p:nvPr>
+            <p:ph type="title"/>
+          </p:nvPr>
+        </p:nvSpPr>
+        <p:spPr/>
+        <p:txBody>
+          <a:bodyPr/>
+          <a:lstStyle/>
+          <a:p>
+            <a:r>
+              <a:rPr lang="en-US" dirty="0"/>
+              <a:t>Motion</a:t>
+            </a:r>
+          </a:p>
+        </p:txBody>
+      </p:sp>
+    </p:spTree>
+    <p:extLst>
+      <p:ext uri="{BB962C8B-B14F-4D97-AF65-F5344CB8AC3E}">
+        <p14:creationId xmlns:p14="http://schemas.microsoft.com/office/powerpoint/2010/main" val="3804679564"/>
+      </p:ext>
+    </p:extLst>
+  </p:cSld>
+  <p:clrMapOvr>
+    <a:masterClrMapping/>
+  </p:clrMapOvr>
+</p:sld>
+</file>
+
 <file path=ppt/slides/slide2.xml><?xml version="1.0" encoding="utf-8"?>
 <p:sld xmlns:a="http://schemas.openxmlformats.org/drawingml/2006/main" xmlns:r="http://schemas.openxmlformats.org/officeDocument/2006/relationships" xmlns:p="http://schemas.openxmlformats.org/presentationml/2006/main">
   <p:cSld>
@@ -7003,9 +7144,335 @@
           <a:chExt cx="0" cy="0"/>
         </a:xfrm>
       </p:grpSpPr>
-      <p:sp>
-        <p:nvSpPr>
-          <p:cNvPr id="6" name="Content Placeholder 5"/>
+      <p:grpSp>
+        <p:nvGrpSpPr>
+          <p:cNvPr id="3" name="Group 2"/>
+          <p:cNvGrpSpPr/>
+          <p:nvPr/>
+        </p:nvGrpSpPr>
+        <p:grpSpPr>
+          <a:xfrm>
+            <a:off x="2476500" y="4324713"/>
+            <a:ext cx="7073415" cy="2563885"/>
+            <a:chOff x="2476500" y="4324713"/>
+            <a:chExt cx="7073415" cy="2563885"/>
+          </a:xfrm>
+        </p:grpSpPr>
+        <p:grpSp>
+          <p:nvGrpSpPr>
+            <p:cNvPr id="2068" name="Group 2067"/>
+            <p:cNvGrpSpPr/>
+            <p:nvPr/>
+          </p:nvGrpSpPr>
+          <p:grpSpPr>
+            <a:xfrm>
+              <a:off x="2476500" y="4324713"/>
+              <a:ext cx="7073415" cy="2319505"/>
+              <a:chOff x="2476500" y="4324713"/>
+              <a:chExt cx="7073415" cy="2319505"/>
+            </a:xfrm>
+          </p:grpSpPr>
+          <p:sp>
+            <p:nvSpPr>
+              <p:cNvPr id="12" name="TextBox 11"/>
+              <p:cNvSpPr txBox="1"/>
+              <p:nvPr/>
+            </p:nvSpPr>
+            <p:spPr>
+              <a:xfrm>
+                <a:off x="5689819" y="4324713"/>
+                <a:ext cx="3860096" cy="830997"/>
+              </a:xfrm>
+              <a:prstGeom prst="rect">
+                <a:avLst/>
+              </a:prstGeom>
+              <a:solidFill>
+                <a:srgbClr val="002060"/>
+              </a:solidFill>
+            </p:spPr>
+            <p:txBody>
+              <a:bodyPr wrap="none" rtlCol="0">
+                <a:spAutoFit/>
+              </a:bodyPr>
+              <a:lstStyle/>
+              <a:p>
+                <a:r>
+                  <a:rPr lang="en-US" sz="1200" dirty="0"/>
+                  <a:t>&lt;</a:t>
+                </a:r>
+                <a:r>
+                  <a:rPr lang="en-US" sz="1200" dirty="0" err="1"/>
+                  <a:t>PersonType</a:t>
+                </a:r>
+                <a:r>
+                  <a:rPr lang="en-US" sz="1200" dirty="0"/>
+                  <a:t>&gt;</a:t>
+                </a:r>
+              </a:p>
+              <a:p>
+                <a:r>
+                  <a:rPr lang="en-US" sz="1200" dirty="0"/>
+                  <a:t>	&lt;</a:t>
+                </a:r>
+                <a:r>
+                  <a:rPr lang="en-US" sz="1200" dirty="0" err="1"/>
+                  <a:t>NameText</a:t>
+                </a:r>
+                <a:r>
+                  <a:rPr lang="en-US" sz="1200" dirty="0"/>
+                  <a:t>&gt;Cory B. Casanave&lt;/</a:t>
+                </a:r>
+                <a:r>
+                  <a:rPr lang="en-US" sz="1200" dirty="0" err="1"/>
+                  <a:t>NameText</a:t>
+                </a:r>
+                <a:r>
+                  <a:rPr lang="en-US" sz="1200" dirty="0"/>
+                  <a:t>&gt;</a:t>
+                </a:r>
+              </a:p>
+              <a:p>
+                <a:r>
+                  <a:rPr lang="en-US" sz="1200" dirty="0"/>
+                  <a:t>	&lt;Weight-LBS&gt;234&lt;/Weight-LBS&gt;</a:t>
+                </a:r>
+              </a:p>
+              <a:p>
+                <a:r>
+                  <a:rPr lang="en-US" sz="1200" dirty="0"/>
+                  <a:t>&lt;/</a:t>
+                </a:r>
+                <a:r>
+                  <a:rPr lang="en-US" sz="1200" dirty="0" err="1"/>
+                  <a:t>PersonType</a:t>
+                </a:r>
+                <a:r>
+                  <a:rPr lang="en-US" sz="1200" dirty="0"/>
+                  <a:t>&gt;</a:t>
+                </a:r>
+              </a:p>
+            </p:txBody>
+          </p:sp>
+          <p:pic>
+            <p:nvPicPr>
+              <p:cNvPr id="2051" name="Picture 3"/>
+              <p:cNvPicPr>
+                <a:picLocks noChangeAspect="1" noChangeArrowheads="1"/>
+              </p:cNvPicPr>
+              <p:nvPr/>
+            </p:nvPicPr>
+            <p:blipFill>
+              <a:blip r:embed="rId2">
+                <a:extLst>
+                  <a:ext uri="{28A0092B-C50C-407E-A947-70E740481C1C}">
+                    <a14:useLocalDpi xmlns:a14="http://schemas.microsoft.com/office/drawing/2010/main" val="0"/>
+                  </a:ext>
+                </a:extLst>
+              </a:blip>
+              <a:srcRect/>
+              <a:stretch>
+                <a:fillRect/>
+              </a:stretch>
+            </p:blipFill>
+            <p:spPr bwMode="auto">
+              <a:xfrm>
+                <a:off x="5477691" y="5468983"/>
+                <a:ext cx="2181225" cy="962025"/>
+              </a:xfrm>
+              <a:prstGeom prst="rect">
+                <a:avLst/>
+              </a:prstGeom>
+              <a:noFill/>
+              <a:ln>
+                <a:noFill/>
+              </a:ln>
+              <a:effectLst/>
+              <a:extLst>
+                <a:ext uri="{909E8E84-426E-40DD-AFC4-6F175D3DCCD1}">
+                  <a14:hiddenFill xmlns:a14="http://schemas.microsoft.com/office/drawing/2010/main">
+                    <a:solidFill>
+                      <a:schemeClr val="accent1"/>
+                    </a:solidFill>
+                  </a14:hiddenFill>
+                </a:ext>
+                <a:ext uri="{91240B29-F687-4F45-9708-019B960494DF}">
+                  <a14:hiddenLine xmlns:a14="http://schemas.microsoft.com/office/drawing/2010/main" w="9525">
+                    <a:solidFill>
+                      <a:schemeClr val="tx1"/>
+                    </a:solidFill>
+                    <a:miter lim="800000"/>
+                    <a:headEnd/>
+                    <a:tailEnd/>
+                  </a14:hiddenLine>
+                </a:ext>
+                <a:ext uri="{AF507438-7753-43E0-B8FC-AC1667EBCBE1}">
+                  <a14:hiddenEffects xmlns:a14="http://schemas.microsoft.com/office/drawing/2010/main">
+                    <a:effectLst>
+                      <a:outerShdw dist="35921" dir="2700000" algn="ctr" rotWithShape="0">
+                        <a:schemeClr val="bg2"/>
+                      </a:outerShdw>
+                    </a:effectLst>
+                  </a14:hiddenEffects>
+                </a:ext>
+              </a:extLst>
+            </p:spPr>
+          </p:pic>
+          <p:pic>
+            <p:nvPicPr>
+              <p:cNvPr id="2052" name="Picture 4"/>
+              <p:cNvPicPr>
+                <a:picLocks noChangeAspect="1" noChangeArrowheads="1"/>
+              </p:cNvPicPr>
+              <p:nvPr/>
+            </p:nvPicPr>
+            <p:blipFill>
+              <a:blip r:embed="rId3">
+                <a:extLst>
+                  <a:ext uri="{28A0092B-C50C-407E-A947-70E740481C1C}">
+                    <a14:useLocalDpi xmlns:a14="http://schemas.microsoft.com/office/drawing/2010/main" val="0"/>
+                  </a:ext>
+                </a:extLst>
+              </a:blip>
+              <a:srcRect/>
+              <a:stretch>
+                <a:fillRect/>
+              </a:stretch>
+            </p:blipFill>
+            <p:spPr bwMode="auto">
+              <a:xfrm>
+                <a:off x="2476500" y="5628218"/>
+                <a:ext cx="2476500" cy="1016000"/>
+              </a:xfrm>
+              <a:prstGeom prst="rect">
+                <a:avLst/>
+              </a:prstGeom>
+              <a:noFill/>
+              <a:ln>
+                <a:noFill/>
+              </a:ln>
+              <a:effectLst/>
+              <a:extLst>
+                <a:ext uri="{909E8E84-426E-40DD-AFC4-6F175D3DCCD1}">
+                  <a14:hiddenFill xmlns:a14="http://schemas.microsoft.com/office/drawing/2010/main">
+                    <a:solidFill>
+                      <a:schemeClr val="accent1"/>
+                    </a:solidFill>
+                  </a14:hiddenFill>
+                </a:ext>
+                <a:ext uri="{91240B29-F687-4F45-9708-019B960494DF}">
+                  <a14:hiddenLine xmlns:a14="http://schemas.microsoft.com/office/drawing/2010/main" w="9525">
+                    <a:solidFill>
+                      <a:schemeClr val="tx1"/>
+                    </a:solidFill>
+                    <a:miter lim="800000"/>
+                    <a:headEnd/>
+                    <a:tailEnd/>
+                  </a14:hiddenLine>
+                </a:ext>
+                <a:ext uri="{AF507438-7753-43E0-B8FC-AC1667EBCBE1}">
+                  <a14:hiddenEffects xmlns:a14="http://schemas.microsoft.com/office/drawing/2010/main">
+                    <a:effectLst>
+                      <a:outerShdw dist="35921" dir="2700000" algn="ctr" rotWithShape="0">
+                        <a:schemeClr val="bg2"/>
+                      </a:outerShdw>
+                    </a:effectLst>
+                  </a14:hiddenEffects>
+                </a:ext>
+              </a:extLst>
+            </p:spPr>
+          </p:pic>
+        </p:grpSp>
+        <p:sp>
+          <p:nvSpPr>
+            <p:cNvPr id="2" name="TextBox 1"/>
+            <p:cNvSpPr txBox="1"/>
+            <p:nvPr/>
+          </p:nvSpPr>
+          <p:spPr>
+            <a:xfrm>
+              <a:off x="6284018" y="6431008"/>
+              <a:ext cx="575799" cy="307777"/>
+            </a:xfrm>
+            <a:prstGeom prst="rect">
+              <a:avLst/>
+            </a:prstGeom>
+            <a:noFill/>
+          </p:spPr>
+          <p:txBody>
+            <a:bodyPr wrap="none" rtlCol="0">
+              <a:spAutoFit/>
+            </a:bodyPr>
+            <a:lstStyle/>
+            <a:p>
+              <a:r>
+                <a:rPr lang="en-US" sz="1400" dirty="0"/>
+                <a:t>Excel</a:t>
+              </a:r>
+            </a:p>
+          </p:txBody>
+        </p:sp>
+        <p:sp>
+          <p:nvSpPr>
+            <p:cNvPr id="23" name="TextBox 22"/>
+            <p:cNvSpPr txBox="1"/>
+            <p:nvPr/>
+          </p:nvSpPr>
+          <p:spPr>
+            <a:xfrm>
+              <a:off x="3324230" y="6580821"/>
+              <a:ext cx="545342" cy="307777"/>
+            </a:xfrm>
+            <a:prstGeom prst="rect">
+              <a:avLst/>
+            </a:prstGeom>
+            <a:noFill/>
+          </p:spPr>
+          <p:txBody>
+            <a:bodyPr wrap="none" rtlCol="0">
+              <a:spAutoFit/>
+            </a:bodyPr>
+            <a:lstStyle/>
+            <a:p>
+              <a:r>
+                <a:rPr lang="en-US" sz="1400" dirty="0"/>
+                <a:t>UML</a:t>
+              </a:r>
+            </a:p>
+          </p:txBody>
+        </p:sp>
+        <p:sp>
+          <p:nvSpPr>
+            <p:cNvPr id="25" name="TextBox 24"/>
+            <p:cNvSpPr txBox="1"/>
+            <p:nvPr/>
+          </p:nvSpPr>
+          <p:spPr>
+            <a:xfrm>
+              <a:off x="7466810" y="5109535"/>
+              <a:ext cx="529312" cy="307777"/>
+            </a:xfrm>
+            <a:prstGeom prst="rect">
+              <a:avLst/>
+            </a:prstGeom>
+            <a:noFill/>
+          </p:spPr>
+          <p:txBody>
+            <a:bodyPr wrap="none" rtlCol="0">
+              <a:spAutoFit/>
+            </a:bodyPr>
+            <a:lstStyle/>
+            <a:p>
+              <a:r>
+                <a:rPr lang="en-US" sz="1400" dirty="0"/>
+                <a:t>XML</a:t>
+              </a:r>
+            </a:p>
+          </p:txBody>
+        </p:sp>
+      </p:grpSp>
+      <p:sp>
+        <p:nvSpPr>
+          <p:cNvPr id="7" name="Content Placeholder 6"/>
           <p:cNvSpPr>
             <a:spLocks noGrp="1"/>
           </p:cNvSpPr>
@@ -7013,114 +7480,654 @@
             <p:ph sz="quarter" idx="13"/>
           </p:nvPr>
         </p:nvSpPr>
-        <p:spPr/>
+        <p:spPr>
+          <a:xfrm>
+            <a:off x="352426" y="1463040"/>
+            <a:ext cx="3886200" cy="4165178"/>
+          </a:xfrm>
+        </p:spPr>
         <p:txBody>
           <a:bodyPr>
-            <a:normAutofit/>
+            <a:normAutofit fontScale="85000" lnSpcReduction="10000"/>
           </a:bodyPr>
           <a:lstStyle/>
           <a:p>
+            <a:r>
+              <a:rPr lang="en-US" dirty="0"/>
+              <a:t>There is an actual “Person”, Cory Casanave</a:t>
+            </a:r>
+          </a:p>
+          <a:p>
             <a:pPr marL="285750" indent="-285750">
-              <a:buFont typeface="Arial"/>
+              <a:buFont typeface="Arial" pitchFamily="34" charset="0"/>
               <a:buChar char="•"/>
             </a:pPr>
             <a:r>
               <a:rPr lang="en-US" dirty="0"/>
-              <a:t>A partial but growing SMIF profile implementation that is informing the SMIF specification</a:t>
+              <a:t>There is a concept of this person shared in this room, right now</a:t>
             </a:r>
           </a:p>
           <a:p>
             <a:pPr marL="285750" indent="-285750">
-              <a:buFont typeface="Arial"/>
+              <a:buFont typeface="Arial" pitchFamily="34" charset="0"/>
               <a:buChar char="•"/>
             </a:pPr>
             <a:r>
               <a:rPr lang="en-US" dirty="0"/>
-              <a:t>A No Magic product that has been on the market since 2015</a:t>
+              <a:t>Here is one representation of him</a:t>
             </a:r>
           </a:p>
           <a:p>
             <a:pPr marL="285750" indent="-285750">
-              <a:buFont typeface="Arial"/>
+              <a:buFont typeface="Arial" pitchFamily="34" charset="0"/>
               <a:buChar char="•"/>
             </a:pPr>
             <a:r>
               <a:rPr lang="en-US" dirty="0"/>
-              <a:t>A plugin to </a:t>
-            </a:r>
-            <a:r>
-              <a:rPr lang="en-US" dirty="0" err="1"/>
-              <a:t>MagicDraw</a:t>
-            </a:r>
-            <a:r>
-              <a:rPr lang="en-US" dirty="0"/>
-              <a:t> 18.x</a:t>
+              <a:t>“Person” is a shared concept, independent of data structures</a:t>
             </a:r>
           </a:p>
           <a:p>
             <a:pPr marL="285750" indent="-285750">
-              <a:buFont typeface="Arial"/>
+              <a:buFont typeface="Arial" pitchFamily="34" charset="0"/>
               <a:buChar char="•"/>
             </a:pPr>
             <a:r>
               <a:rPr lang="en-US" dirty="0"/>
-              <a:t>Part of Cameo EA 18.x</a:t>
+              <a:t>There may also be shared agreement that Cory is a person and some other “facts”</a:t>
+            </a:r>
+          </a:p>
+          <a:p>
+            <a:pPr marL="457200" lvl="1" indent="-285750"/>
+            <a:r>
+              <a:rPr lang="en-US" dirty="0"/>
+              <a:t>“Cory Casanave” is a name for this person</a:t>
+            </a:r>
+          </a:p>
+          <a:p>
+            <a:pPr marL="457200" lvl="1" indent="-285750"/>
+            <a:r>
+              <a:rPr lang="en-US" dirty="0"/>
+              <a:t>He weighs 240 LBS</a:t>
             </a:r>
           </a:p>
           <a:p>
             <a:pPr marL="285750" indent="-285750">
-              <a:buFont typeface="Arial"/>
+              <a:buFont typeface="Arial" pitchFamily="34" charset="0"/>
               <a:buChar char="•"/>
             </a:pPr>
             <a:r>
               <a:rPr lang="en-US" dirty="0"/>
-              <a:t>For the Financial Industry Business Ontology (FIBO) efforts:</a:t>
-            </a:r>
-          </a:p>
-          <a:p>
-            <a:pPr marL="457200" lvl="1" indent="-285750">
-              <a:buFont typeface="Arial"/>
+              <a:t>There are multiple data representations about Cory Casanave which may or may not agree</a:t>
+            </a:r>
+          </a:p>
+          <a:p>
+            <a:pPr marL="285750" indent="-285750">
+              <a:buFont typeface="Arial" pitchFamily="34" charset="0"/>
               <a:buChar char="•"/>
             </a:pPr>
             <a:r>
               <a:rPr lang="en-US" dirty="0"/>
-              <a:t>Diagrams used for the business stakeholder view</a:t>
-            </a:r>
-          </a:p>
-          <a:p>
-            <a:pPr marL="457200" lvl="1" indent="-285750">
-              <a:buFont typeface="Arial"/>
-              <a:buChar char="•"/>
-            </a:pPr>
+              <a:t>Those representations can be grounded in concepts (semantics), assisting federation</a:t>
+            </a:r>
+          </a:p>
+        </p:txBody>
+      </p:sp>
+      <p:sp>
+        <p:nvSpPr>
+          <p:cNvPr id="6" name="Title 5"/>
+          <p:cNvSpPr>
+            <a:spLocks noGrp="1"/>
+          </p:cNvSpPr>
+          <p:nvPr>
+            <p:ph type="title"/>
+          </p:nvPr>
+        </p:nvSpPr>
+        <p:spPr/>
+        <p:txBody>
+          <a:bodyPr>
+            <a:normAutofit fontScale="90000"/>
+          </a:bodyPr>
+          <a:lstStyle/>
+          <a:p>
             <a:r>
               <a:rPr lang="en-US" dirty="0"/>
-              <a:t>Natural language glossary</a:t>
-            </a:r>
-          </a:p>
-          <a:p>
-            <a:pPr marL="285750" indent="-285750">
-              <a:buFont typeface="Arial"/>
-              <a:buChar char="•"/>
-            </a:pPr>
-            <a:endParaRPr lang="en-US" dirty="0"/>
-          </a:p>
-          <a:p>
-            <a:pPr marL="457200" lvl="1" indent="-285750">
-              <a:buFont typeface="Arial"/>
-              <a:buChar char="•"/>
-            </a:pPr>
-            <a:endParaRPr lang="en-US" dirty="0"/>
-          </a:p>
-        </p:txBody>
-      </p:sp>
-      <p:sp>
-        <p:nvSpPr>
-          <p:cNvPr id="2" name="Date Placeholder 1"/>
-          <p:cNvSpPr>
-            <a:spLocks noGrp="1"/>
-          </p:cNvSpPr>
-          <p:nvPr>
-            <p:ph type="dt" sz="half" idx="14"/>
+              <a:t>Example of “Pivoting” through a conceptual model</a:t>
+            </a:r>
+          </a:p>
+        </p:txBody>
+      </p:sp>
+      <p:pic>
+        <p:nvPicPr>
+          <p:cNvPr id="5" name="Picture 4"/>
+          <p:cNvPicPr>
+            <a:picLocks noChangeAspect="1"/>
+          </p:cNvPicPr>
+          <p:nvPr/>
+        </p:nvPicPr>
+        <p:blipFill>
+          <a:blip r:embed="rId4" cstate="print">
+            <a:extLst>
+              <a:ext uri="{28A0092B-C50C-407E-A947-70E740481C1C}">
+                <a14:useLocalDpi xmlns:a14="http://schemas.microsoft.com/office/drawing/2010/main" val="0"/>
+              </a:ext>
+            </a:extLst>
+          </a:blip>
+          <a:stretch>
+            <a:fillRect/>
+          </a:stretch>
+        </p:blipFill>
+        <p:spPr>
+          <a:xfrm>
+            <a:off x="7299960" y="1709389"/>
+            <a:ext cx="1392324" cy="1908460"/>
+          </a:xfrm>
+          <a:prstGeom prst="rect">
+            <a:avLst/>
+          </a:prstGeom>
+        </p:spPr>
+      </p:pic>
+      <p:sp>
+        <p:nvSpPr>
+          <p:cNvPr id="9" name="Right Arrow 8"/>
+          <p:cNvSpPr/>
+          <p:nvPr/>
+        </p:nvSpPr>
+        <p:spPr>
+          <a:xfrm>
+            <a:off x="3429000" y="2309307"/>
+            <a:ext cx="3886200" cy="304800"/>
+          </a:xfrm>
+          <a:prstGeom prst="rightArrow">
+            <a:avLst/>
+          </a:prstGeom>
+        </p:spPr>
+        <p:style>
+          <a:lnRef idx="2">
+            <a:schemeClr val="accent1">
+              <a:shade val="50000"/>
+            </a:schemeClr>
+          </a:lnRef>
+          <a:fillRef idx="1">
+            <a:schemeClr val="accent1"/>
+          </a:fillRef>
+          <a:effectRef idx="0">
+            <a:schemeClr val="accent1"/>
+          </a:effectRef>
+          <a:fontRef idx="minor">
+            <a:schemeClr val="lt1"/>
+          </a:fontRef>
+        </p:style>
+        <p:txBody>
+          <a:bodyPr rtlCol="0" anchor="ctr"/>
+          <a:lstStyle/>
+          <a:p>
+            <a:pPr algn="ctr"/>
+            <a:endParaRPr lang="en-US"/>
+          </a:p>
+        </p:txBody>
+      </p:sp>
+      <p:sp>
+        <p:nvSpPr>
+          <p:cNvPr id="10" name="Cloud Callout 9"/>
+          <p:cNvSpPr/>
+          <p:nvPr/>
+        </p:nvSpPr>
+        <p:spPr>
+          <a:xfrm>
+            <a:off x="4665558" y="1253840"/>
+            <a:ext cx="1828800" cy="990600"/>
+          </a:xfrm>
+          <a:prstGeom prst="cloudCallout">
+            <a:avLst>
+              <a:gd name="adj1" fmla="val -83690"/>
+              <a:gd name="adj2" fmla="val 16786"/>
+            </a:avLst>
+          </a:prstGeom>
+        </p:spPr>
+        <p:style>
+          <a:lnRef idx="2">
+            <a:schemeClr val="accent1">
+              <a:shade val="50000"/>
+            </a:schemeClr>
+          </a:lnRef>
+          <a:fillRef idx="1">
+            <a:schemeClr val="accent1"/>
+          </a:fillRef>
+          <a:effectRef idx="0">
+            <a:schemeClr val="accent1"/>
+          </a:effectRef>
+          <a:fontRef idx="minor">
+            <a:schemeClr val="lt1"/>
+          </a:fontRef>
+        </p:style>
+        <p:txBody>
+          <a:bodyPr rtlCol="0" anchor="ctr"/>
+          <a:lstStyle/>
+          <a:p>
+            <a:pPr algn="ctr"/>
+            <a:r>
+              <a:rPr lang="en-US" sz="1400" dirty="0"/>
+              <a:t>Concept of</a:t>
+            </a:r>
+          </a:p>
+          <a:p>
+            <a:pPr algn="ctr"/>
+            <a:r>
+              <a:rPr lang="en-US" sz="1400" dirty="0"/>
+              <a:t>“Cory Casanave”</a:t>
+            </a:r>
+          </a:p>
+        </p:txBody>
+      </p:sp>
+      <p:sp>
+        <p:nvSpPr>
+          <p:cNvPr id="11" name="Cloud Callout 10"/>
+          <p:cNvSpPr/>
+          <p:nvPr/>
+        </p:nvSpPr>
+        <p:spPr>
+          <a:xfrm>
+            <a:off x="4800600" y="2703370"/>
+            <a:ext cx="1828800" cy="990600"/>
+          </a:xfrm>
+          <a:prstGeom prst="cloudCallout">
+            <a:avLst>
+              <a:gd name="adj1" fmla="val -138087"/>
+              <a:gd name="adj2" fmla="val -24486"/>
+            </a:avLst>
+          </a:prstGeom>
+        </p:spPr>
+        <p:style>
+          <a:lnRef idx="2">
+            <a:schemeClr val="accent1">
+              <a:shade val="50000"/>
+            </a:schemeClr>
+          </a:lnRef>
+          <a:fillRef idx="1">
+            <a:schemeClr val="accent1"/>
+          </a:fillRef>
+          <a:effectRef idx="0">
+            <a:schemeClr val="accent1"/>
+          </a:effectRef>
+          <a:fontRef idx="minor">
+            <a:schemeClr val="lt1"/>
+          </a:fontRef>
+        </p:style>
+        <p:txBody>
+          <a:bodyPr rtlCol="0" anchor="ctr"/>
+          <a:lstStyle/>
+          <a:p>
+            <a:pPr algn="ctr"/>
+            <a:r>
+              <a:rPr lang="en-US" sz="1400" dirty="0"/>
+              <a:t>Concept of a</a:t>
+            </a:r>
+          </a:p>
+          <a:p>
+            <a:pPr algn="ctr"/>
+            <a:r>
+              <a:rPr lang="en-US" sz="1400" dirty="0"/>
+              <a:t>“Person”</a:t>
+            </a:r>
+          </a:p>
+        </p:txBody>
+      </p:sp>
+      <p:grpSp>
+        <p:nvGrpSpPr>
+          <p:cNvPr id="2067" name="Group 2066"/>
+          <p:cNvGrpSpPr/>
+          <p:nvPr/>
+        </p:nvGrpSpPr>
+        <p:grpSpPr>
+          <a:xfrm>
+            <a:off x="3886200" y="1310478"/>
+            <a:ext cx="3772716" cy="5214363"/>
+            <a:chOff x="3886200" y="1310478"/>
+            <a:chExt cx="3772716" cy="5214363"/>
+          </a:xfrm>
+        </p:grpSpPr>
+        <p:cxnSp>
+          <p:nvCxnSpPr>
+            <p:cNvPr id="14" name="Straight Arrow Connector 13"/>
+            <p:cNvCxnSpPr>
+              <a:endCxn id="11" idx="1"/>
+            </p:cNvCxnSpPr>
+            <p:nvPr/>
+          </p:nvCxnSpPr>
+          <p:spPr>
+            <a:xfrm flipH="1" flipV="1">
+              <a:off x="5715000" y="3692915"/>
+              <a:ext cx="457200" cy="726686"/>
+            </a:xfrm>
+            <a:prstGeom prst="straightConnector1">
+              <a:avLst/>
+            </a:prstGeom>
+            <a:ln w="31750">
+              <a:solidFill>
+                <a:srgbClr val="FF0000"/>
+              </a:solidFill>
+              <a:tailEnd type="arrow"/>
+            </a:ln>
+          </p:spPr>
+          <p:style>
+            <a:lnRef idx="1">
+              <a:schemeClr val="accent1"/>
+            </a:lnRef>
+            <a:fillRef idx="0">
+              <a:schemeClr val="accent1"/>
+            </a:fillRef>
+            <a:effectRef idx="0">
+              <a:schemeClr val="accent1"/>
+            </a:effectRef>
+            <a:fontRef idx="minor">
+              <a:schemeClr val="tx1"/>
+            </a:fontRef>
+          </p:style>
+        </p:cxnSp>
+        <p:cxnSp>
+          <p:nvCxnSpPr>
+            <p:cNvPr id="18" name="Straight Arrow Connector 17"/>
+            <p:cNvCxnSpPr/>
+            <p:nvPr/>
+          </p:nvCxnSpPr>
+          <p:spPr>
+            <a:xfrm flipH="1" flipV="1">
+              <a:off x="6172200" y="2136466"/>
+              <a:ext cx="609600" cy="2359334"/>
+            </a:xfrm>
+            <a:prstGeom prst="straightConnector1">
+              <a:avLst/>
+            </a:prstGeom>
+            <a:ln w="31750">
+              <a:solidFill>
+                <a:srgbClr val="FF0000"/>
+              </a:solidFill>
+              <a:tailEnd type="arrow"/>
+            </a:ln>
+          </p:spPr>
+          <p:style>
+            <a:lnRef idx="1">
+              <a:schemeClr val="accent1"/>
+            </a:lnRef>
+            <a:fillRef idx="0">
+              <a:schemeClr val="accent1"/>
+            </a:fillRef>
+            <a:effectRef idx="0">
+              <a:schemeClr val="accent1"/>
+            </a:effectRef>
+            <a:fontRef idx="minor">
+              <a:schemeClr val="tx1"/>
+            </a:fontRef>
+          </p:style>
+        </p:cxnSp>
+        <p:cxnSp>
+          <p:nvCxnSpPr>
+            <p:cNvPr id="20" name="Straight Arrow Connector 19"/>
+            <p:cNvCxnSpPr/>
+            <p:nvPr/>
+          </p:nvCxnSpPr>
+          <p:spPr>
+            <a:xfrm flipH="1" flipV="1">
+              <a:off x="5509181" y="3617849"/>
+              <a:ext cx="399703" cy="2173351"/>
+            </a:xfrm>
+            <a:prstGeom prst="straightConnector1">
+              <a:avLst/>
+            </a:prstGeom>
+            <a:ln w="31750">
+              <a:solidFill>
+                <a:srgbClr val="FF0000"/>
+              </a:solidFill>
+              <a:tailEnd type="arrow"/>
+            </a:ln>
+          </p:spPr>
+          <p:style>
+            <a:lnRef idx="1">
+              <a:schemeClr val="accent1"/>
+            </a:lnRef>
+            <a:fillRef idx="0">
+              <a:schemeClr val="accent1"/>
+            </a:fillRef>
+            <a:effectRef idx="0">
+              <a:schemeClr val="accent1"/>
+            </a:effectRef>
+            <a:fontRef idx="minor">
+              <a:schemeClr val="tx1"/>
+            </a:fontRef>
+          </p:style>
+        </p:cxnSp>
+        <p:cxnSp>
+          <p:nvCxnSpPr>
+            <p:cNvPr id="22" name="Straight Arrow Connector 21"/>
+            <p:cNvCxnSpPr/>
+            <p:nvPr/>
+          </p:nvCxnSpPr>
+          <p:spPr>
+            <a:xfrm flipH="1" flipV="1">
+              <a:off x="6545580" y="1811225"/>
+              <a:ext cx="769620" cy="433215"/>
+            </a:xfrm>
+            <a:prstGeom prst="straightConnector1">
+              <a:avLst/>
+            </a:prstGeom>
+            <a:ln w="31750">
+              <a:solidFill>
+                <a:srgbClr val="FF0000"/>
+              </a:solidFill>
+              <a:tailEnd type="arrow"/>
+            </a:ln>
+          </p:spPr>
+          <p:style>
+            <a:lnRef idx="1">
+              <a:schemeClr val="accent1"/>
+            </a:lnRef>
+            <a:fillRef idx="0">
+              <a:schemeClr val="accent1"/>
+            </a:fillRef>
+            <a:effectRef idx="0">
+              <a:schemeClr val="accent1"/>
+            </a:effectRef>
+            <a:fontRef idx="minor">
+              <a:schemeClr val="tx1"/>
+            </a:fontRef>
+          </p:style>
+        </p:cxnSp>
+        <p:cxnSp>
+          <p:nvCxnSpPr>
+            <p:cNvPr id="24" name="Straight Arrow Connector 23"/>
+            <p:cNvCxnSpPr/>
+            <p:nvPr/>
+          </p:nvCxnSpPr>
+          <p:spPr>
+            <a:xfrm flipV="1">
+              <a:off x="3886200" y="2136466"/>
+              <a:ext cx="914400" cy="3718990"/>
+            </a:xfrm>
+            <a:prstGeom prst="straightConnector1">
+              <a:avLst/>
+            </a:prstGeom>
+            <a:ln w="31750">
+              <a:solidFill>
+                <a:srgbClr val="FF0000"/>
+              </a:solidFill>
+              <a:tailEnd type="arrow"/>
+            </a:ln>
+          </p:spPr>
+          <p:style>
+            <a:lnRef idx="1">
+              <a:schemeClr val="accent1"/>
+            </a:lnRef>
+            <a:fillRef idx="0">
+              <a:schemeClr val="accent1"/>
+            </a:fillRef>
+            <a:effectRef idx="0">
+              <a:schemeClr val="accent1"/>
+            </a:effectRef>
+            <a:fontRef idx="minor">
+              <a:schemeClr val="tx1"/>
+            </a:fontRef>
+          </p:style>
+        </p:cxnSp>
+        <p:cxnSp>
+          <p:nvCxnSpPr>
+            <p:cNvPr id="27" name="Straight Arrow Connector 26"/>
+            <p:cNvCxnSpPr/>
+            <p:nvPr/>
+          </p:nvCxnSpPr>
+          <p:spPr>
+            <a:xfrm flipV="1">
+              <a:off x="4576353" y="3600042"/>
+              <a:ext cx="814253" cy="2264123"/>
+            </a:xfrm>
+            <a:prstGeom prst="straightConnector1">
+              <a:avLst/>
+            </a:prstGeom>
+            <a:ln w="31750">
+              <a:solidFill>
+                <a:srgbClr val="FF0000"/>
+              </a:solidFill>
+              <a:tailEnd type="arrow"/>
+            </a:ln>
+          </p:spPr>
+          <p:style>
+            <a:lnRef idx="1">
+              <a:schemeClr val="accent1"/>
+            </a:lnRef>
+            <a:fillRef idx="0">
+              <a:schemeClr val="accent1"/>
+            </a:fillRef>
+            <a:effectRef idx="0">
+              <a:schemeClr val="accent1"/>
+            </a:effectRef>
+            <a:fontRef idx="minor">
+              <a:schemeClr val="tx1"/>
+            </a:fontRef>
+          </p:style>
+        </p:cxnSp>
+        <p:cxnSp>
+          <p:nvCxnSpPr>
+            <p:cNvPr id="31" name="Curved Connector 30"/>
+            <p:cNvCxnSpPr>
+              <a:stCxn id="2060" idx="3"/>
+              <a:endCxn id="10" idx="3"/>
+            </p:cNvCxnSpPr>
+            <p:nvPr/>
+          </p:nvCxnSpPr>
+          <p:spPr>
+            <a:xfrm flipH="1" flipV="1">
+              <a:off x="5579958" y="1310478"/>
+              <a:ext cx="2078958" cy="5029697"/>
+            </a:xfrm>
+            <a:prstGeom prst="curvedConnector4">
+              <a:avLst>
+                <a:gd name="adj1" fmla="val -64614"/>
+                <a:gd name="adj2" fmla="val 105671"/>
+              </a:avLst>
+            </a:prstGeom>
+            <a:ln w="31750">
+              <a:solidFill>
+                <a:srgbClr val="FF0000"/>
+              </a:solidFill>
+              <a:tailEnd type="arrow"/>
+            </a:ln>
+          </p:spPr>
+          <p:style>
+            <a:lnRef idx="1">
+              <a:schemeClr val="accent1"/>
+            </a:lnRef>
+            <a:fillRef idx="0">
+              <a:schemeClr val="accent1"/>
+            </a:fillRef>
+            <a:effectRef idx="0">
+              <a:schemeClr val="accent1"/>
+            </a:effectRef>
+            <a:fontRef idx="minor">
+              <a:schemeClr val="tx1"/>
+            </a:fontRef>
+          </p:style>
+        </p:cxnSp>
+        <p:sp>
+          <p:nvSpPr>
+            <p:cNvPr id="2060" name="TextBox 2059"/>
+            <p:cNvSpPr txBox="1"/>
+            <p:nvPr/>
+          </p:nvSpPr>
+          <p:spPr>
+            <a:xfrm>
+              <a:off x="7413336" y="6155509"/>
+              <a:ext cx="245580" cy="369332"/>
+            </a:xfrm>
+            <a:prstGeom prst="rect">
+              <a:avLst/>
+            </a:prstGeom>
+            <a:noFill/>
+          </p:spPr>
+          <p:txBody>
+            <a:bodyPr wrap="none" rtlCol="0">
+              <a:spAutoFit/>
+            </a:bodyPr>
+            <a:lstStyle/>
+            <a:p>
+              <a:r>
+                <a:rPr lang="en-US" dirty="0"/>
+                <a:t>.</a:t>
+              </a:r>
+            </a:p>
+          </p:txBody>
+        </p:sp>
+      </p:grpSp>
+      <p:sp>
+        <p:nvSpPr>
+          <p:cNvPr id="4" name="Right Arrow 3"/>
+          <p:cNvSpPr/>
+          <p:nvPr/>
+        </p:nvSpPr>
+        <p:spPr>
+          <a:xfrm>
+            <a:off x="12032" y="5867733"/>
+            <a:ext cx="1905000" cy="575552"/>
+          </a:xfrm>
+          <a:prstGeom prst="rightArrow">
+            <a:avLst/>
+          </a:prstGeom>
+        </p:spPr>
+        <p:style>
+          <a:lnRef idx="2">
+            <a:schemeClr val="accent1">
+              <a:shade val="50000"/>
+            </a:schemeClr>
+          </a:lnRef>
+          <a:fillRef idx="1">
+            <a:schemeClr val="accent1"/>
+          </a:fillRef>
+          <a:effectRef idx="0">
+            <a:schemeClr val="accent1"/>
+          </a:effectRef>
+          <a:fontRef idx="minor">
+            <a:schemeClr val="lt1"/>
+          </a:fontRef>
+        </p:style>
+        <p:txBody>
+          <a:bodyPr rtlCol="0" anchor="ctr"/>
+          <a:lstStyle/>
+          <a:p>
+            <a:pPr algn="ctr"/>
+            <a:r>
+              <a:rPr lang="en-US" dirty="0"/>
+              <a:t>Representations</a:t>
+            </a:r>
+          </a:p>
+        </p:txBody>
+      </p:sp>
+      <p:sp>
+        <p:nvSpPr>
+          <p:cNvPr id="8" name="Date Placeholder 7"/>
+          <p:cNvSpPr>
+            <a:spLocks noGrp="1"/>
+          </p:cNvSpPr>
+          <p:nvPr>
+            <p:ph type="dt" sz="half" idx="15"/>
           </p:nvPr>
         </p:nvSpPr>
         <p:spPr/>
@@ -7129,21 +8136,44 @@
           <a:lstStyle/>
           <a:p>
             <a:r>
-              <a:rPr lang="en-US"/>
-              <a:t>June 2016</a:t>
-            </a:r>
-            <a:endParaRPr lang="en-US" dirty="0"/>
-          </a:p>
-        </p:txBody>
-      </p:sp>
-      <p:sp>
-        <p:nvSpPr>
-          <p:cNvPr id="3" name="Slide Number Placeholder 2"/>
-          <p:cNvSpPr>
-            <a:spLocks noGrp="1"/>
-          </p:cNvSpPr>
-          <p:nvPr>
-            <p:ph type="sldNum" sz="quarter" idx="15"/>
+              <a:rPr lang="en-US" dirty="0"/>
+              <a:t>3/2014</a:t>
+            </a:r>
+          </a:p>
+        </p:txBody>
+      </p:sp>
+      <p:sp>
+        <p:nvSpPr>
+          <p:cNvPr id="13" name="Footer Placeholder 12"/>
+          <p:cNvSpPr>
+            <a:spLocks noGrp="1"/>
+          </p:cNvSpPr>
+          <p:nvPr>
+            <p:ph type="ftr" sz="quarter" idx="17"/>
+          </p:nvPr>
+        </p:nvSpPr>
+        <p:spPr/>
+        <p:txBody>
+          <a:bodyPr>
+            <a:normAutofit fontScale="77500" lnSpcReduction="20000"/>
+          </a:bodyPr>
+          <a:lstStyle/>
+          <a:p>
+            <a:r>
+              <a:rPr lang="en-US" dirty="0"/>
+              <a:t>Copyright (c) 2012-2014 Data Access Technologies, Inc. as Model Driven Solutions</a:t>
+            </a:r>
+          </a:p>
+        </p:txBody>
+      </p:sp>
+      <p:sp>
+        <p:nvSpPr>
+          <p:cNvPr id="15" name="Slide Number Placeholder 14"/>
+          <p:cNvSpPr>
+            <a:spLocks noGrp="1"/>
+          </p:cNvSpPr>
+          <p:nvPr>
+            <p:ph type="sldNum" sz="quarter" idx="16"/>
           </p:nvPr>
         </p:nvSpPr>
         <p:spPr/>
@@ -7159,59 +8189,313 @@
           </a:p>
         </p:txBody>
       </p:sp>
-      <p:sp>
-        <p:nvSpPr>
-          <p:cNvPr id="4" name="Footer Placeholder 3"/>
-          <p:cNvSpPr>
-            <a:spLocks noGrp="1"/>
-          </p:cNvSpPr>
-          <p:nvPr>
-            <p:ph type="ftr" sz="quarter" idx="16"/>
-          </p:nvPr>
-        </p:nvSpPr>
-        <p:spPr/>
-        <p:txBody>
-          <a:bodyPr/>
-          <a:lstStyle/>
-          <a:p>
-            <a:endParaRPr lang="en-US" dirty="0"/>
-          </a:p>
-        </p:txBody>
-      </p:sp>
-      <p:sp>
-        <p:nvSpPr>
-          <p:cNvPr id="5" name="Title 4"/>
-          <p:cNvSpPr>
-            <a:spLocks noGrp="1"/>
-          </p:cNvSpPr>
-          <p:nvPr>
-            <p:ph type="title"/>
-          </p:nvPr>
-        </p:nvSpPr>
-        <p:spPr/>
-        <p:txBody>
-          <a:bodyPr>
-            <a:normAutofit fontScale="90000"/>
-          </a:bodyPr>
-          <a:lstStyle/>
-          <a:p>
-            <a:r>
-              <a:rPr lang="en-US" dirty="0"/>
-              <a:t>What is the Cameo Concept Modeler?</a:t>
-            </a:r>
-          </a:p>
-        </p:txBody>
-      </p:sp>
     </p:spTree>
     <p:extLst>
       <p:ext uri="{BB962C8B-B14F-4D97-AF65-F5344CB8AC3E}">
-        <p14:creationId xmlns:p14="http://schemas.microsoft.com/office/powerpoint/2010/main" val="3395769803"/>
+        <p14:creationId xmlns:p14="http://schemas.microsoft.com/office/powerpoint/2010/main" val="2391047842"/>
       </p:ext>
     </p:extLst>
   </p:cSld>
   <p:clrMapOvr>
     <a:masterClrMapping/>
   </p:clrMapOvr>
+  <p:timing>
+    <p:tnLst>
+      <p:par>
+        <p:cTn id="1" dur="indefinite" restart="never" nodeType="tmRoot">
+          <p:childTnLst>
+            <p:seq concurrent="1" nextAc="seek">
+              <p:cTn id="2" dur="indefinite" nodeType="mainSeq">
+                <p:childTnLst>
+                  <p:par>
+                    <p:cTn id="3" fill="hold">
+                      <p:stCondLst>
+                        <p:cond delay="indefinite"/>
+                      </p:stCondLst>
+                      <p:childTnLst>
+                        <p:par>
+                          <p:cTn id="4" fill="hold">
+                            <p:stCondLst>
+                              <p:cond delay="0"/>
+                            </p:stCondLst>
+                            <p:childTnLst>
+                              <p:par>
+                                <p:cTn id="5" presetID="2" presetClass="entr" presetSubtype="4" fill="hold" nodeType="clickEffect">
+                                  <p:stCondLst>
+                                    <p:cond delay="0"/>
+                                  </p:stCondLst>
+                                  <p:childTnLst>
+                                    <p:set>
+                                      <p:cBhvr>
+                                        <p:cTn id="6" dur="1" fill="hold">
+                                          <p:stCondLst>
+                                            <p:cond delay="0"/>
+                                          </p:stCondLst>
+                                        </p:cTn>
+                                        <p:tgtEl>
+                                          <p:spTgt spid="3"/>
+                                        </p:tgtEl>
+                                        <p:attrNameLst>
+                                          <p:attrName>style.visibility</p:attrName>
+                                        </p:attrNameLst>
+                                      </p:cBhvr>
+                                      <p:to>
+                                        <p:strVal val="visible"/>
+                                      </p:to>
+                                    </p:set>
+                                    <p:anim calcmode="lin" valueType="num">
+                                      <p:cBhvr additive="base">
+                                        <p:cTn id="7" dur="500" fill="hold"/>
+                                        <p:tgtEl>
+                                          <p:spTgt spid="3"/>
+                                        </p:tgtEl>
+                                        <p:attrNameLst>
+                                          <p:attrName>ppt_x</p:attrName>
+                                        </p:attrNameLst>
+                                      </p:cBhvr>
+                                      <p:tavLst>
+                                        <p:tav tm="0">
+                                          <p:val>
+                                            <p:strVal val="#ppt_x"/>
+                                          </p:val>
+                                        </p:tav>
+                                        <p:tav tm="100000">
+                                          <p:val>
+                                            <p:strVal val="#ppt_x"/>
+                                          </p:val>
+                                        </p:tav>
+                                      </p:tavLst>
+                                    </p:anim>
+                                    <p:anim calcmode="lin" valueType="num">
+                                      <p:cBhvr additive="base">
+                                        <p:cTn id="8" dur="500" fill="hold"/>
+                                        <p:tgtEl>
+                                          <p:spTgt spid="3"/>
+                                        </p:tgtEl>
+                                        <p:attrNameLst>
+                                          <p:attrName>ppt_y</p:attrName>
+                                        </p:attrNameLst>
+                                      </p:cBhvr>
+                                      <p:tavLst>
+                                        <p:tav tm="0">
+                                          <p:val>
+                                            <p:strVal val="1+#ppt_h/2"/>
+                                          </p:val>
+                                        </p:tav>
+                                        <p:tav tm="100000">
+                                          <p:val>
+                                            <p:strVal val="#ppt_y"/>
+                                          </p:val>
+                                        </p:tav>
+                                      </p:tavLst>
+                                    </p:anim>
+                                  </p:childTnLst>
+                                </p:cTn>
+                              </p:par>
+                            </p:childTnLst>
+                          </p:cTn>
+                        </p:par>
+                        <p:par>
+                          <p:cTn id="9" fill="hold">
+                            <p:stCondLst>
+                              <p:cond delay="500"/>
+                            </p:stCondLst>
+                            <p:childTnLst>
+                              <p:par>
+                                <p:cTn id="10" presetID="2" presetClass="entr" presetSubtype="8" fill="hold" grpId="0" nodeType="afterEffect">
+                                  <p:stCondLst>
+                                    <p:cond delay="0"/>
+                                  </p:stCondLst>
+                                  <p:childTnLst>
+                                    <p:set>
+                                      <p:cBhvr>
+                                        <p:cTn id="11" dur="1" fill="hold">
+                                          <p:stCondLst>
+                                            <p:cond delay="0"/>
+                                          </p:stCondLst>
+                                        </p:cTn>
+                                        <p:tgtEl>
+                                          <p:spTgt spid="4"/>
+                                        </p:tgtEl>
+                                        <p:attrNameLst>
+                                          <p:attrName>style.visibility</p:attrName>
+                                        </p:attrNameLst>
+                                      </p:cBhvr>
+                                      <p:to>
+                                        <p:strVal val="visible"/>
+                                      </p:to>
+                                    </p:set>
+                                    <p:anim calcmode="lin" valueType="num">
+                                      <p:cBhvr additive="base">
+                                        <p:cTn id="12" dur="500" fill="hold"/>
+                                        <p:tgtEl>
+                                          <p:spTgt spid="4"/>
+                                        </p:tgtEl>
+                                        <p:attrNameLst>
+                                          <p:attrName>ppt_x</p:attrName>
+                                        </p:attrNameLst>
+                                      </p:cBhvr>
+                                      <p:tavLst>
+                                        <p:tav tm="0">
+                                          <p:val>
+                                            <p:strVal val="0-#ppt_w/2"/>
+                                          </p:val>
+                                        </p:tav>
+                                        <p:tav tm="100000">
+                                          <p:val>
+                                            <p:strVal val="#ppt_x"/>
+                                          </p:val>
+                                        </p:tav>
+                                      </p:tavLst>
+                                    </p:anim>
+                                    <p:anim calcmode="lin" valueType="num">
+                                      <p:cBhvr additive="base">
+                                        <p:cTn id="13" dur="500" fill="hold"/>
+                                        <p:tgtEl>
+                                          <p:spTgt spid="4"/>
+                                        </p:tgtEl>
+                                        <p:attrNameLst>
+                                          <p:attrName>ppt_y</p:attrName>
+                                        </p:attrNameLst>
+                                      </p:cBhvr>
+                                      <p:tavLst>
+                                        <p:tav tm="0">
+                                          <p:val>
+                                            <p:strVal val="#ppt_y"/>
+                                          </p:val>
+                                        </p:tav>
+                                        <p:tav tm="100000">
+                                          <p:val>
+                                            <p:strVal val="#ppt_y"/>
+                                          </p:val>
+                                        </p:tav>
+                                      </p:tavLst>
+                                    </p:anim>
+                                  </p:childTnLst>
+                                </p:cTn>
+                              </p:par>
+                            </p:childTnLst>
+                          </p:cTn>
+                        </p:par>
+                      </p:childTnLst>
+                    </p:cTn>
+                  </p:par>
+                  <p:par>
+                    <p:cTn id="14" fill="hold">
+                      <p:stCondLst>
+                        <p:cond delay="indefinite"/>
+                      </p:stCondLst>
+                      <p:childTnLst>
+                        <p:par>
+                          <p:cTn id="15" fill="hold">
+                            <p:stCondLst>
+                              <p:cond delay="0"/>
+                            </p:stCondLst>
+                            <p:childTnLst>
+                              <p:par>
+                                <p:cTn id="16" presetID="2" presetClass="entr" presetSubtype="6" fill="hold" nodeType="clickEffect">
+                                  <p:stCondLst>
+                                    <p:cond delay="0"/>
+                                  </p:stCondLst>
+                                  <p:childTnLst>
+                                    <p:set>
+                                      <p:cBhvr>
+                                        <p:cTn id="17" dur="1" fill="hold">
+                                          <p:stCondLst>
+                                            <p:cond delay="0"/>
+                                          </p:stCondLst>
+                                        </p:cTn>
+                                        <p:tgtEl>
+                                          <p:spTgt spid="2067"/>
+                                        </p:tgtEl>
+                                        <p:attrNameLst>
+                                          <p:attrName>style.visibility</p:attrName>
+                                        </p:attrNameLst>
+                                      </p:cBhvr>
+                                      <p:to>
+                                        <p:strVal val="visible"/>
+                                      </p:to>
+                                    </p:set>
+                                    <p:anim calcmode="lin" valueType="num">
+                                      <p:cBhvr additive="base">
+                                        <p:cTn id="18" dur="500" fill="hold"/>
+                                        <p:tgtEl>
+                                          <p:spTgt spid="2067"/>
+                                        </p:tgtEl>
+                                        <p:attrNameLst>
+                                          <p:attrName>ppt_x</p:attrName>
+                                        </p:attrNameLst>
+                                      </p:cBhvr>
+                                      <p:tavLst>
+                                        <p:tav tm="0">
+                                          <p:val>
+                                            <p:strVal val="1+#ppt_w/2"/>
+                                          </p:val>
+                                        </p:tav>
+                                        <p:tav tm="100000">
+                                          <p:val>
+                                            <p:strVal val="#ppt_x"/>
+                                          </p:val>
+                                        </p:tav>
+                                      </p:tavLst>
+                                    </p:anim>
+                                    <p:anim calcmode="lin" valueType="num">
+                                      <p:cBhvr additive="base">
+                                        <p:cTn id="19" dur="500" fill="hold"/>
+                                        <p:tgtEl>
+                                          <p:spTgt spid="2067"/>
+                                        </p:tgtEl>
+                                        <p:attrNameLst>
+                                          <p:attrName>ppt_y</p:attrName>
+                                        </p:attrNameLst>
+                                      </p:cBhvr>
+                                      <p:tavLst>
+                                        <p:tav tm="0">
+                                          <p:val>
+                                            <p:strVal val="1+#ppt_h/2"/>
+                                          </p:val>
+                                        </p:tav>
+                                        <p:tav tm="100000">
+                                          <p:val>
+                                            <p:strVal val="#ppt_y"/>
+                                          </p:val>
+                                        </p:tav>
+                                      </p:tavLst>
+                                    </p:anim>
+                                  </p:childTnLst>
+                                </p:cTn>
+                              </p:par>
+                            </p:childTnLst>
+                          </p:cTn>
+                        </p:par>
+                      </p:childTnLst>
+                    </p:cTn>
+                  </p:par>
+                </p:childTnLst>
+              </p:cTn>
+              <p:prevCondLst>
+                <p:cond evt="onPrev" delay="0">
+                  <p:tgtEl>
+                    <p:sldTgt/>
+                  </p:tgtEl>
+                </p:cond>
+              </p:prevCondLst>
+              <p:nextCondLst>
+                <p:cond evt="onNext" delay="0">
+                  <p:tgtEl>
+                    <p:sldTgt/>
+                  </p:tgtEl>
+                </p:cond>
+              </p:nextCondLst>
+            </p:seq>
+          </p:childTnLst>
+        </p:cTn>
+      </p:par>
+    </p:tnLst>
+    <p:bldLst>
+      <p:bldP spid="4" grpId="0" animBg="1"/>
+    </p:bldLst>
+  </p:timing>
 </p:sld>
 </file>
 
@@ -7234,12 +8518,12 @@
       </p:grpSpPr>
       <p:sp>
         <p:nvSpPr>
-          <p:cNvPr id="2" name="Content Placeholder 1"/>
-          <p:cNvSpPr>
-            <a:spLocks noGrp="1"/>
-          </p:cNvSpPr>
-          <p:nvPr>
-            <p:ph sz="quarter" idx="13"/>
+          <p:cNvPr id="2" name="Date Placeholder 1"/>
+          <p:cNvSpPr>
+            <a:spLocks noGrp="1"/>
+          </p:cNvSpPr>
+          <p:nvPr>
+            <p:ph type="dt" sz="half" idx="10"/>
           </p:nvPr>
         </p:nvSpPr>
         <p:spPr/>
@@ -7247,85 +8531,9 @@
           <a:bodyPr/>
           <a:lstStyle/>
           <a:p>
-            <a:pPr marL="285750" indent="-285750">
-              <a:buFont typeface="Arial"/>
-              <a:buChar char="•"/>
-            </a:pPr>
-            <a:r>
-              <a:rPr lang="en-US" dirty="0"/>
-              <a:t>Ingests existing OWL ontologies</a:t>
-            </a:r>
-          </a:p>
-          <a:p>
-            <a:pPr marL="285750" indent="-285750">
-              <a:buFont typeface="Arial"/>
-              <a:buChar char="•"/>
-            </a:pPr>
-            <a:r>
-              <a:rPr lang="en-US" dirty="0"/>
-              <a:t>Provides capability for domain concept modeling</a:t>
-            </a:r>
-          </a:p>
-          <a:p>
-            <a:pPr marL="285750" indent="-285750">
-              <a:buFont typeface="Arial"/>
-              <a:buChar char="•"/>
-            </a:pPr>
-            <a:r>
-              <a:rPr lang="en-US" dirty="0"/>
-              <a:t>Provides capability for diagram and natural-language glossary validation with business SMEs</a:t>
-            </a:r>
-          </a:p>
-          <a:p>
-            <a:pPr marL="285750" indent="-285750">
-              <a:buFont typeface="Arial"/>
-              <a:buChar char="•"/>
-            </a:pPr>
-            <a:r>
-              <a:rPr lang="en-US" dirty="0"/>
-              <a:t>Emits OWL ontologies</a:t>
-            </a:r>
-          </a:p>
-          <a:p>
-            <a:pPr marL="285750" indent="-285750">
-              <a:buFont typeface="Arial"/>
-              <a:buChar char="•"/>
-            </a:pPr>
-            <a:r>
-              <a:rPr lang="en-US" dirty="0"/>
-              <a:t>“Round trips” edited OWL</a:t>
-            </a:r>
-          </a:p>
-          <a:p>
-            <a:pPr marL="285750" indent="-285750">
-              <a:buFont typeface="Arial"/>
-              <a:buChar char="•"/>
-            </a:pPr>
-            <a:r>
-              <a:rPr lang="en-US" dirty="0"/>
-              <a:t>(patterns)</a:t>
-            </a:r>
-          </a:p>
-        </p:txBody>
-      </p:sp>
-      <p:sp>
-        <p:nvSpPr>
-          <p:cNvPr id="3" name="Date Placeholder 2"/>
-          <p:cNvSpPr>
-            <a:spLocks noGrp="1"/>
-          </p:cNvSpPr>
-          <p:nvPr>
-            <p:ph type="dt" sz="half" idx="14"/>
-          </p:nvPr>
-        </p:nvSpPr>
-        <p:spPr/>
-        <p:txBody>
-          <a:bodyPr/>
-          <a:lstStyle/>
-          <a:p>
             <a:r>
               <a:rPr lang="en-US"/>
-              <a:t>June 2016</a:t>
+              <a:t>3/2014</a:t>
             </a:r>
             <a:endParaRPr lang="en-US" dirty="0"/>
           </a:p>
@@ -7333,12 +8541,12 @@
       </p:sp>
       <p:sp>
         <p:nvSpPr>
-          <p:cNvPr id="4" name="Slide Number Placeholder 3"/>
-          <p:cNvSpPr>
-            <a:spLocks noGrp="1"/>
-          </p:cNvSpPr>
-          <p:nvPr>
-            <p:ph type="sldNum" sz="quarter" idx="15"/>
+          <p:cNvPr id="3" name="Slide Number Placeholder 2"/>
+          <p:cNvSpPr>
+            <a:spLocks noGrp="1"/>
+          </p:cNvSpPr>
+          <p:nvPr>
+            <p:ph type="sldNum" sz="quarter" idx="11"/>
           </p:nvPr>
         </p:nvSpPr>
         <p:spPr/>
@@ -7356,26 +8564,32 @@
       </p:sp>
       <p:sp>
         <p:nvSpPr>
-          <p:cNvPr id="5" name="Footer Placeholder 4"/>
-          <p:cNvSpPr>
-            <a:spLocks noGrp="1"/>
-          </p:cNvSpPr>
-          <p:nvPr>
-            <p:ph type="ftr" sz="quarter" idx="16"/>
+          <p:cNvPr id="4" name="Footer Placeholder 3"/>
+          <p:cNvSpPr>
+            <a:spLocks noGrp="1"/>
+          </p:cNvSpPr>
+          <p:nvPr>
+            <p:ph type="ftr" sz="quarter" idx="12"/>
           </p:nvPr>
         </p:nvSpPr>
         <p:spPr/>
         <p:txBody>
-          <a:bodyPr/>
-          <a:lstStyle/>
-          <a:p>
+          <a:bodyPr>
+            <a:normAutofit fontScale="77500" lnSpcReduction="20000"/>
+          </a:bodyPr>
+          <a:lstStyle/>
+          <a:p>
+            <a:r>
+              <a:rPr lang="en-US"/>
+              <a:t>Copyright (c) 2012-2014 Data Access Technologies, Inc. as Model Driven Solutions</a:t>
+            </a:r>
             <a:endParaRPr lang="en-US" dirty="0"/>
           </a:p>
         </p:txBody>
       </p:sp>
       <p:sp>
         <p:nvSpPr>
-          <p:cNvPr id="6" name="Title 5"/>
+          <p:cNvPr id="5" name="Title 4"/>
           <p:cNvSpPr>
             <a:spLocks noGrp="1"/>
           </p:cNvSpPr>
@@ -7385,20 +8599,43 @@
         </p:nvSpPr>
         <p:spPr/>
         <p:txBody>
-          <a:bodyPr/>
-          <a:lstStyle/>
-          <a:p>
-            <a:r>
-              <a:rPr lang="en-US" dirty="0"/>
-              <a:t>What does CCM 18.x Do Now?</a:t>
-            </a:r>
-          </a:p>
-        </p:txBody>
-      </p:sp>
+          <a:bodyPr>
+            <a:normAutofit fontScale="90000"/>
+          </a:bodyPr>
+          <a:lstStyle/>
+          <a:p>
+            <a:endParaRPr lang="en-US"/>
+          </a:p>
+        </p:txBody>
+      </p:sp>
+      <p:pic>
+        <p:nvPicPr>
+          <p:cNvPr id="6" name="Picture 5"/>
+          <p:cNvPicPr>
+            <a:picLocks noChangeAspect="1"/>
+          </p:cNvPicPr>
+          <p:nvPr/>
+        </p:nvPicPr>
+        <p:blipFill>
+          <a:blip r:embed="rId2"/>
+          <a:stretch>
+            <a:fillRect/>
+          </a:stretch>
+        </p:blipFill>
+        <p:spPr>
+          <a:xfrm>
+            <a:off x="-228600" y="-457200"/>
+            <a:ext cx="9570328" cy="7737712"/>
+          </a:xfrm>
+          <a:prstGeom prst="rect">
+            <a:avLst/>
+          </a:prstGeom>
+        </p:spPr>
+      </p:pic>
     </p:spTree>
     <p:extLst>
       <p:ext uri="{BB962C8B-B14F-4D97-AF65-F5344CB8AC3E}">
-        <p14:creationId xmlns:p14="http://schemas.microsoft.com/office/powerpoint/2010/main" val="1366463606"/>
+        <p14:creationId xmlns:p14="http://schemas.microsoft.com/office/powerpoint/2010/main" val="3836568017"/>
       </p:ext>
     </p:extLst>
   </p:cSld>
@@ -7427,7 +8664,7 @@
       </p:grpSpPr>
       <p:sp>
         <p:nvSpPr>
-          <p:cNvPr id="2" name="Content Placeholder 1"/>
+          <p:cNvPr id="6" name="Content Placeholder 5"/>
           <p:cNvSpPr>
             <a:spLocks noGrp="1"/>
           </p:cNvSpPr>
@@ -7437,7 +8674,9 @@
         </p:nvSpPr>
         <p:spPr/>
         <p:txBody>
-          <a:bodyPr/>
+          <a:bodyPr>
+            <a:normAutofit/>
+          </a:bodyPr>
           <a:lstStyle/>
           <a:p>
             <a:pPr marL="285750" indent="-285750">
@@ -7446,7 +8685,7 @@
             </a:pPr>
             <a:r>
               <a:rPr lang="en-US" dirty="0"/>
-              <a:t>Record design decisions to forward generate information models in SQL, XML, OWL, SHACL</a:t>
+              <a:t>A partial but growing SMIF profile implementation that is informing the SMIF specification</a:t>
             </a:r>
           </a:p>
           <a:p>
@@ -7456,7 +8695,7 @@
             </a:pPr>
             <a:r>
               <a:rPr lang="en-US" dirty="0"/>
-              <a:t>Connect to Cameo Data Modeler 19.x for generation of SQL and XML schemas</a:t>
+              <a:t>A No Magic product that has been on the market since 2015</a:t>
             </a:r>
           </a:p>
           <a:p>
@@ -7465,12 +8704,16 @@
               <a:buChar char="•"/>
             </a:pPr>
             <a:r>
+              <a:rPr lang="en-US" dirty="0"/>
+              <a:t>A plugin to </a:t>
+            </a:r>
+            <a:r>
               <a:rPr lang="en-US" dirty="0" err="1"/>
-              <a:t>Bidirectionally</a:t>
+              <a:t>MagicDraw</a:t>
             </a:r>
             <a:r>
               <a:rPr lang="en-US" dirty="0"/>
-              <a:t> map multiple information models to reference concept models</a:t>
+              <a:t> 18.x</a:t>
             </a:r>
           </a:p>
           <a:p>
@@ -7480,7 +8723,17 @@
             </a:pPr>
             <a:r>
               <a:rPr lang="en-US" dirty="0"/>
-              <a:t>Information federation / semantic mediation:</a:t>
+              <a:t>Part of Cameo EA 18.x</a:t>
+            </a:r>
+          </a:p>
+          <a:p>
+            <a:pPr marL="285750" indent="-285750">
+              <a:buFont typeface="Arial"/>
+              <a:buChar char="•"/>
+            </a:pPr>
+            <a:r>
+              <a:rPr lang="en-US" dirty="0"/>
+              <a:t>For the Financial Industry Business Ontology (FIBO) efforts:</a:t>
             </a:r>
           </a:p>
           <a:p>
@@ -7490,7 +8743,7 @@
             </a:pPr>
             <a:r>
               <a:rPr lang="en-US" dirty="0"/>
-              <a:t>Across multiple systems, query data representing business concepts</a:t>
+              <a:t>Diagrams used for the business stakeholder view</a:t>
             </a:r>
           </a:p>
           <a:p>
@@ -7500,42 +8753,28 @@
             </a:pPr>
             <a:r>
               <a:rPr lang="en-US" dirty="0"/>
-              <a:t>Provide the models to be used by runtime information-federation engines</a:t>
-            </a:r>
+              <a:t>Natural language glossary</a:t>
+            </a:r>
+          </a:p>
+          <a:p>
+            <a:pPr marL="285750" indent="-285750">
+              <a:buFont typeface="Arial"/>
+              <a:buChar char="•"/>
+            </a:pPr>
+            <a:endParaRPr lang="en-US" dirty="0"/>
           </a:p>
           <a:p>
             <a:pPr marL="457200" lvl="1" indent="-285750">
               <a:buFont typeface="Arial"/>
               <a:buChar char="•"/>
             </a:pPr>
-            <a:r>
-              <a:rPr lang="en-US" dirty="0"/>
-              <a:t>Project federated information for analytics engines</a:t>
-            </a:r>
-          </a:p>
-          <a:p>
-            <a:pPr marL="285750" indent="-285750">
-              <a:buFont typeface="Arial"/>
-              <a:buChar char="•"/>
-            </a:pPr>
-            <a:r>
-              <a:rPr lang="en-US" dirty="0"/>
-              <a:t>Provide analysis-level models for executable UML (i.e., </a:t>
-            </a:r>
-            <a:r>
-              <a:rPr lang="en-US" dirty="0" err="1"/>
-              <a:t>fUML</a:t>
-            </a:r>
-            <a:r>
-              <a:rPr lang="en-US" dirty="0"/>
-              <a:t>, Alf, full code generation)</a:t>
-            </a:r>
-          </a:p>
-        </p:txBody>
-      </p:sp>
-      <p:sp>
-        <p:nvSpPr>
-          <p:cNvPr id="3" name="Date Placeholder 2"/>
+            <a:endParaRPr lang="en-US" dirty="0"/>
+          </a:p>
+        </p:txBody>
+      </p:sp>
+      <p:sp>
+        <p:nvSpPr>
+          <p:cNvPr id="2" name="Date Placeholder 1"/>
           <p:cNvSpPr>
             <a:spLocks noGrp="1"/>
           </p:cNvSpPr>
@@ -7558,7 +8797,7 @@
       </p:sp>
       <p:sp>
         <p:nvSpPr>
-          <p:cNvPr id="4" name="Slide Number Placeholder 3"/>
+          <p:cNvPr id="3" name="Slide Number Placeholder 2"/>
           <p:cNvSpPr>
             <a:spLocks noGrp="1"/>
           </p:cNvSpPr>
@@ -7581,7 +8820,7 @@
       </p:sp>
       <p:sp>
         <p:nvSpPr>
-          <p:cNvPr id="5" name="Footer Placeholder 4"/>
+          <p:cNvPr id="4" name="Footer Placeholder 3"/>
           <p:cNvSpPr>
             <a:spLocks noGrp="1"/>
           </p:cNvSpPr>
@@ -7600,7 +8839,7 @@
       </p:sp>
       <p:sp>
         <p:nvSpPr>
-          <p:cNvPr id="6" name="Title 5"/>
+          <p:cNvPr id="5" name="Title 4"/>
           <p:cNvSpPr>
             <a:spLocks noGrp="1"/>
           </p:cNvSpPr>
@@ -7617,7 +8856,7 @@
           <a:p>
             <a:r>
               <a:rPr lang="en-US" dirty="0"/>
-              <a:t>What will CCM do in version 19.x and beyond?</a:t>
+              <a:t>What is the Cameo Concept Modeler?</a:t>
             </a:r>
           </a:p>
         </p:txBody>
@@ -7625,7 +8864,7 @@
     </p:spTree>
     <p:extLst>
       <p:ext uri="{BB962C8B-B14F-4D97-AF65-F5344CB8AC3E}">
-        <p14:creationId xmlns:p14="http://schemas.microsoft.com/office/powerpoint/2010/main" val="2798901226"/>
+        <p14:creationId xmlns:p14="http://schemas.microsoft.com/office/powerpoint/2010/main" val="3395769803"/>
       </p:ext>
     </p:extLst>
   </p:cSld>
@@ -7673,57 +8912,7 @@
             </a:pPr>
             <a:r>
               <a:rPr lang="en-US" dirty="0"/>
-              <a:t>Implementations have been informing the specification:</a:t>
-            </a:r>
-          </a:p>
-          <a:p>
-            <a:pPr marL="457200" lvl="1" indent="-285750">
-              <a:buFont typeface="Arial"/>
-              <a:buChar char="•"/>
-            </a:pPr>
-            <a:r>
-              <a:rPr lang="en-US" dirty="0"/>
-              <a:t>Discovered a problem with reusable UML constraints</a:t>
-            </a:r>
-          </a:p>
-          <a:p>
-            <a:pPr marL="457200" lvl="1" indent="-285750">
-              <a:buFont typeface="Arial"/>
-              <a:buChar char="•"/>
-            </a:pPr>
-            <a:r>
-              <a:rPr lang="en-US" dirty="0"/>
-              <a:t>Refinement of the SMIF model</a:t>
-            </a:r>
-          </a:p>
-          <a:p>
-            <a:pPr marL="457200" lvl="1" indent="-285750">
-              <a:buFont typeface="Arial"/>
-              <a:buChar char="•"/>
-            </a:pPr>
-            <a:r>
-              <a:rPr lang="en-US" dirty="0"/>
-              <a:t>Discovered shortcomings in work with the FIBO team</a:t>
-            </a:r>
-          </a:p>
-          <a:p>
-            <a:pPr marL="457200" lvl="1" indent="-285750">
-              <a:buFont typeface="Arial"/>
-              <a:buChar char="•"/>
-            </a:pPr>
-            <a:r>
-              <a:rPr lang="en-US" dirty="0"/>
-              <a:t>Valuable experience validating FIBO-V with actual business SMEs</a:t>
-            </a:r>
-          </a:p>
-          <a:p>
-            <a:pPr marL="457200" lvl="1" indent="-285750">
-              <a:buFont typeface="Arial"/>
-              <a:buChar char="•"/>
-            </a:pPr>
-            <a:r>
-              <a:rPr lang="en-US" dirty="0"/>
-              <a:t>Valuable feedback on profile understandability</a:t>
+              <a:t>Ingests existing OWL ontologies</a:t>
             </a:r>
           </a:p>
           <a:p>
@@ -7733,7 +8922,7 @@
             </a:pPr>
             <a:r>
               <a:rPr lang="en-US" dirty="0"/>
-              <a:t>Stronger formalization and provable grounding of the SMIF kernel</a:t>
+              <a:t>Provides capability for domain concept modeling</a:t>
             </a:r>
           </a:p>
           <a:p>
@@ -7743,17 +8932,7 @@
             </a:pPr>
             <a:r>
               <a:rPr lang="en-US" dirty="0"/>
-              <a:t>We plan to exceed the requirements of the OMG process by having multiple implementations on adoption, not one year later</a:t>
-            </a:r>
-          </a:p>
-          <a:p>
-            <a:pPr marL="457200" lvl="1" indent="-285750">
-              <a:buFont typeface="Arial"/>
-              <a:buChar char="•"/>
-            </a:pPr>
-            <a:r>
-              <a:rPr lang="en-US" dirty="0"/>
-              <a:t>Note: Internet standards are based on running code and rough consensus</a:t>
+              <a:t>Provides capability for diagram and natural-language glossary validation with business SMEs</a:t>
             </a:r>
           </a:p>
           <a:p>
@@ -7761,7 +8940,30 @@
               <a:buFont typeface="Arial"/>
               <a:buChar char="•"/>
             </a:pPr>
-            <a:endParaRPr lang="en-US" dirty="0"/>
+            <a:r>
+              <a:rPr lang="en-US" dirty="0"/>
+              <a:t>Emits OWL ontologies</a:t>
+            </a:r>
+          </a:p>
+          <a:p>
+            <a:pPr marL="285750" indent="-285750">
+              <a:buFont typeface="Arial"/>
+              <a:buChar char="•"/>
+            </a:pPr>
+            <a:r>
+              <a:rPr lang="en-US" dirty="0"/>
+              <a:t>“Round trips” edited OWL</a:t>
+            </a:r>
+          </a:p>
+          <a:p>
+            <a:pPr marL="285750" indent="-285750">
+              <a:buFont typeface="Arial"/>
+              <a:buChar char="•"/>
+            </a:pPr>
+            <a:r>
+              <a:rPr lang="en-US" dirty="0"/>
+              <a:t>(patterns)</a:t>
+            </a:r>
           </a:p>
         </p:txBody>
       </p:sp>
@@ -7847,7 +9049,7 @@
           <a:p>
             <a:r>
               <a:rPr lang="en-US" dirty="0"/>
-              <a:t>Why reschedule SMIF?</a:t>
+              <a:t>What does CCM 18.x Do Now?</a:t>
             </a:r>
           </a:p>
         </p:txBody>
@@ -7855,7 +9057,7 @@
     </p:spTree>
     <p:extLst>
       <p:ext uri="{BB962C8B-B14F-4D97-AF65-F5344CB8AC3E}">
-        <p14:creationId xmlns:p14="http://schemas.microsoft.com/office/powerpoint/2010/main" val="2328854855"/>
+        <p14:creationId xmlns:p14="http://schemas.microsoft.com/office/powerpoint/2010/main" val="1366463606"/>
       </p:ext>
     </p:extLst>
   </p:cSld>
@@ -7884,12 +9086,12 @@
       </p:grpSpPr>
       <p:sp>
         <p:nvSpPr>
-          <p:cNvPr id="8" name="Subtitle 7"/>
-          <p:cNvSpPr>
-            <a:spLocks noGrp="1"/>
-          </p:cNvSpPr>
-          <p:nvPr>
-            <p:ph type="subTitle" idx="1"/>
+          <p:cNvPr id="2" name="Content Placeholder 1"/>
+          <p:cNvSpPr>
+            <a:spLocks noGrp="1"/>
+          </p:cNvSpPr>
+          <p:nvPr>
+            <p:ph sz="quarter" idx="13"/>
           </p:nvPr>
         </p:nvSpPr>
         <p:spPr/>
@@ -7897,9 +9099,95 @@
           <a:bodyPr/>
           <a:lstStyle/>
           <a:p>
+            <a:pPr marL="285750" indent="-285750">
+              <a:buFont typeface="Arial"/>
+              <a:buChar char="•"/>
+            </a:pPr>
             <a:r>
               <a:rPr lang="en-US" dirty="0"/>
-              <a:t>Revised submission date: June</a:t>
+              <a:t>Record design decisions to forward generate information models in SQL, XML, OWL, SHACL</a:t>
+            </a:r>
+          </a:p>
+          <a:p>
+            <a:pPr marL="285750" indent="-285750">
+              <a:buFont typeface="Arial"/>
+              <a:buChar char="•"/>
+            </a:pPr>
+            <a:r>
+              <a:rPr lang="en-US" dirty="0"/>
+              <a:t>Connect to Cameo Data Modeler 19.x for generation of SQL and XML schemas</a:t>
+            </a:r>
+          </a:p>
+          <a:p>
+            <a:pPr marL="285750" indent="-285750">
+              <a:buFont typeface="Arial"/>
+              <a:buChar char="•"/>
+            </a:pPr>
+            <a:r>
+              <a:rPr lang="en-US" dirty="0" err="1"/>
+              <a:t>Bidirectionally</a:t>
+            </a:r>
+            <a:r>
+              <a:rPr lang="en-US" dirty="0"/>
+              <a:t> map multiple information models to reference concept models</a:t>
+            </a:r>
+          </a:p>
+          <a:p>
+            <a:pPr marL="285750" indent="-285750">
+              <a:buFont typeface="Arial"/>
+              <a:buChar char="•"/>
+            </a:pPr>
+            <a:r>
+              <a:rPr lang="en-US" dirty="0"/>
+              <a:t>Information federation / semantic mediation:</a:t>
+            </a:r>
+          </a:p>
+          <a:p>
+            <a:pPr marL="457200" lvl="1" indent="-285750">
+              <a:buFont typeface="Arial"/>
+              <a:buChar char="•"/>
+            </a:pPr>
+            <a:r>
+              <a:rPr lang="en-US" dirty="0"/>
+              <a:t>Across multiple systems, query data representing business concepts</a:t>
+            </a:r>
+          </a:p>
+          <a:p>
+            <a:pPr marL="457200" lvl="1" indent="-285750">
+              <a:buFont typeface="Arial"/>
+              <a:buChar char="•"/>
+            </a:pPr>
+            <a:r>
+              <a:rPr lang="en-US" dirty="0"/>
+              <a:t>Provide the models to be used by runtime information-federation engines</a:t>
+            </a:r>
+          </a:p>
+          <a:p>
+            <a:pPr marL="457200" lvl="1" indent="-285750">
+              <a:buFont typeface="Arial"/>
+              <a:buChar char="•"/>
+            </a:pPr>
+            <a:r>
+              <a:rPr lang="en-US" dirty="0"/>
+              <a:t>Project federated information for analytics engines</a:t>
+            </a:r>
+          </a:p>
+          <a:p>
+            <a:pPr marL="285750" indent="-285750">
+              <a:buFont typeface="Arial"/>
+              <a:buChar char="•"/>
+            </a:pPr>
+            <a:r>
+              <a:rPr lang="en-US" dirty="0"/>
+              <a:t>Provide analysis-level models for executable UML (i.e., </a:t>
+            </a:r>
+            <a:r>
+              <a:rPr lang="en-US" dirty="0" err="1"/>
+              <a:t>fUML</a:t>
+            </a:r>
+            <a:r>
+              <a:rPr lang="en-US" dirty="0"/>
+              <a:t>, Alf, full code generation)</a:t>
             </a:r>
           </a:p>
         </p:txBody>
@@ -7911,7 +9199,7 @@
             <a:spLocks noGrp="1"/>
           </p:cNvSpPr>
           <p:nvPr>
-            <p:ph type="dt" sz="half" idx="10"/>
+            <p:ph type="dt" sz="half" idx="14"/>
           </p:nvPr>
         </p:nvSpPr>
         <p:spPr/>
@@ -7934,7 +9222,7 @@
             <a:spLocks noGrp="1"/>
           </p:cNvSpPr>
           <p:nvPr>
-            <p:ph type="sldNum" sz="quarter" idx="11"/>
+            <p:ph type="sldNum" sz="quarter" idx="15"/>
           </p:nvPr>
         </p:nvSpPr>
         <p:spPr/>
@@ -7957,7 +9245,7 @@
             <a:spLocks noGrp="1"/>
           </p:cNvSpPr>
           <p:nvPr>
-            <p:ph type="ftr" sz="quarter" idx="12"/>
+            <p:ph type="ftr" sz="quarter" idx="16"/>
           </p:nvPr>
         </p:nvSpPr>
         <p:spPr/>
@@ -7971,7 +9259,7 @@
       </p:sp>
       <p:sp>
         <p:nvSpPr>
-          <p:cNvPr id="7" name="Title 6"/>
+          <p:cNvPr id="6" name="Title 5"/>
           <p:cNvSpPr>
             <a:spLocks noGrp="1"/>
           </p:cNvSpPr>
@@ -7981,12 +9269,14 @@
         </p:nvSpPr>
         <p:spPr/>
         <p:txBody>
-          <a:bodyPr/>
+          <a:bodyPr>
+            <a:normAutofit fontScale="90000"/>
+          </a:bodyPr>
           <a:lstStyle/>
           <a:p>
             <a:r>
               <a:rPr lang="en-US" dirty="0"/>
-              <a:t>Motion</a:t>
+              <a:t>What will CCM do in version 19.x and beyond?</a:t>
             </a:r>
           </a:p>
         </p:txBody>
@@ -7994,7 +9284,237 @@
     </p:spTree>
     <p:extLst>
       <p:ext uri="{BB962C8B-B14F-4D97-AF65-F5344CB8AC3E}">
-        <p14:creationId xmlns:p14="http://schemas.microsoft.com/office/powerpoint/2010/main" val="3804679564"/>
+        <p14:creationId xmlns:p14="http://schemas.microsoft.com/office/powerpoint/2010/main" val="2798901226"/>
+      </p:ext>
+    </p:extLst>
+  </p:cSld>
+  <p:clrMapOvr>
+    <a:masterClrMapping/>
+  </p:clrMapOvr>
+</p:sld>
+</file>
+
+<file path=ppt/slides/slide9.xml><?xml version="1.0" encoding="utf-8"?>
+<p:sld xmlns:a="http://schemas.openxmlformats.org/drawingml/2006/main" xmlns:r="http://schemas.openxmlformats.org/officeDocument/2006/relationships" xmlns:p="http://schemas.openxmlformats.org/presentationml/2006/main">
+  <p:cSld>
+    <p:spTree>
+      <p:nvGrpSpPr>
+        <p:cNvPr id="1" name=""/>
+        <p:cNvGrpSpPr/>
+        <p:nvPr/>
+      </p:nvGrpSpPr>
+      <p:grpSpPr>
+        <a:xfrm>
+          <a:off x="0" y="0"/>
+          <a:ext cx="0" cy="0"/>
+          <a:chOff x="0" y="0"/>
+          <a:chExt cx="0" cy="0"/>
+        </a:xfrm>
+      </p:grpSpPr>
+      <p:sp>
+        <p:nvSpPr>
+          <p:cNvPr id="2" name="Content Placeholder 1"/>
+          <p:cNvSpPr>
+            <a:spLocks noGrp="1"/>
+          </p:cNvSpPr>
+          <p:nvPr>
+            <p:ph sz="quarter" idx="13"/>
+          </p:nvPr>
+        </p:nvSpPr>
+        <p:spPr/>
+        <p:txBody>
+          <a:bodyPr/>
+          <a:lstStyle/>
+          <a:p>
+            <a:pPr marL="285750" indent="-285750">
+              <a:buFont typeface="Arial"/>
+              <a:buChar char="•"/>
+            </a:pPr>
+            <a:r>
+              <a:rPr lang="en-US" dirty="0"/>
+              <a:t>Implementations have been informing the specification:</a:t>
+            </a:r>
+          </a:p>
+          <a:p>
+            <a:pPr marL="457200" lvl="1" indent="-285750">
+              <a:buFont typeface="Arial"/>
+              <a:buChar char="•"/>
+            </a:pPr>
+            <a:r>
+              <a:rPr lang="en-US" dirty="0"/>
+              <a:t>Discovered a problem with reusable UML constraints</a:t>
+            </a:r>
+          </a:p>
+          <a:p>
+            <a:pPr marL="457200" lvl="1" indent="-285750">
+              <a:buFont typeface="Arial"/>
+              <a:buChar char="•"/>
+            </a:pPr>
+            <a:r>
+              <a:rPr lang="en-US" dirty="0"/>
+              <a:t>Refinement of the SMIF model</a:t>
+            </a:r>
+          </a:p>
+          <a:p>
+            <a:pPr marL="457200" lvl="1" indent="-285750">
+              <a:buFont typeface="Arial"/>
+              <a:buChar char="•"/>
+            </a:pPr>
+            <a:r>
+              <a:rPr lang="en-US" dirty="0"/>
+              <a:t>Discovered shortcomings in work with the FIBO team</a:t>
+            </a:r>
+          </a:p>
+          <a:p>
+            <a:pPr marL="457200" lvl="1" indent="-285750">
+              <a:buFont typeface="Arial"/>
+              <a:buChar char="•"/>
+            </a:pPr>
+            <a:r>
+              <a:rPr lang="en-US" dirty="0"/>
+              <a:t>Valuable experience validating FIBO-V with actual business SMEs</a:t>
+            </a:r>
+          </a:p>
+          <a:p>
+            <a:pPr marL="457200" lvl="1" indent="-285750">
+              <a:buFont typeface="Arial"/>
+              <a:buChar char="•"/>
+            </a:pPr>
+            <a:r>
+              <a:rPr lang="en-US" dirty="0"/>
+              <a:t>Valuable feedback on profile understandability</a:t>
+            </a:r>
+          </a:p>
+          <a:p>
+            <a:pPr marL="285750" indent="-285750">
+              <a:buFont typeface="Arial"/>
+              <a:buChar char="•"/>
+            </a:pPr>
+            <a:r>
+              <a:rPr lang="en-US" dirty="0"/>
+              <a:t>Stronger formalization and provable grounding of the SMIF kernel</a:t>
+            </a:r>
+          </a:p>
+          <a:p>
+            <a:pPr marL="285750" indent="-285750">
+              <a:buFont typeface="Arial"/>
+              <a:buChar char="•"/>
+            </a:pPr>
+            <a:r>
+              <a:rPr lang="en-US" dirty="0"/>
+              <a:t>We plan to exceed the requirements of the OMG process by having multiple implementations on adoption, not one year later</a:t>
+            </a:r>
+          </a:p>
+          <a:p>
+            <a:pPr marL="457200" lvl="1" indent="-285750">
+              <a:buFont typeface="Arial"/>
+              <a:buChar char="•"/>
+            </a:pPr>
+            <a:r>
+              <a:rPr lang="en-US" dirty="0"/>
+              <a:t>Note: Internet standards are based on running code and rough consensus</a:t>
+            </a:r>
+          </a:p>
+          <a:p>
+            <a:pPr marL="285750" indent="-285750">
+              <a:buFont typeface="Arial"/>
+              <a:buChar char="•"/>
+            </a:pPr>
+            <a:endParaRPr lang="en-US" dirty="0"/>
+          </a:p>
+        </p:txBody>
+      </p:sp>
+      <p:sp>
+        <p:nvSpPr>
+          <p:cNvPr id="3" name="Date Placeholder 2"/>
+          <p:cNvSpPr>
+            <a:spLocks noGrp="1"/>
+          </p:cNvSpPr>
+          <p:nvPr>
+            <p:ph type="dt" sz="half" idx="14"/>
+          </p:nvPr>
+        </p:nvSpPr>
+        <p:spPr/>
+        <p:txBody>
+          <a:bodyPr/>
+          <a:lstStyle/>
+          <a:p>
+            <a:r>
+              <a:rPr lang="en-US"/>
+              <a:t>June 2016</a:t>
+            </a:r>
+            <a:endParaRPr lang="en-US" dirty="0"/>
+          </a:p>
+        </p:txBody>
+      </p:sp>
+      <p:sp>
+        <p:nvSpPr>
+          <p:cNvPr id="4" name="Slide Number Placeholder 3"/>
+          <p:cNvSpPr>
+            <a:spLocks noGrp="1"/>
+          </p:cNvSpPr>
+          <p:nvPr>
+            <p:ph type="sldNum" sz="quarter" idx="15"/>
+          </p:nvPr>
+        </p:nvSpPr>
+        <p:spPr/>
+        <p:txBody>
+          <a:bodyPr/>
+          <a:lstStyle/>
+          <a:p>
+            <a:fld id="{987D7693-E132-40A2-A808-4CF056E677D9}" type="slidenum">
+              <a:rPr lang="en-US" smtClean="0"/>
+              <a:t>9</a:t>
+            </a:fld>
+            <a:endParaRPr lang="en-US" dirty="0"/>
+          </a:p>
+        </p:txBody>
+      </p:sp>
+      <p:sp>
+        <p:nvSpPr>
+          <p:cNvPr id="5" name="Footer Placeholder 4"/>
+          <p:cNvSpPr>
+            <a:spLocks noGrp="1"/>
+          </p:cNvSpPr>
+          <p:nvPr>
+            <p:ph type="ftr" sz="quarter" idx="16"/>
+          </p:nvPr>
+        </p:nvSpPr>
+        <p:spPr/>
+        <p:txBody>
+          <a:bodyPr/>
+          <a:lstStyle/>
+          <a:p>
+            <a:endParaRPr lang="en-US" dirty="0"/>
+          </a:p>
+        </p:txBody>
+      </p:sp>
+      <p:sp>
+        <p:nvSpPr>
+          <p:cNvPr id="6" name="Title 5"/>
+          <p:cNvSpPr>
+            <a:spLocks noGrp="1"/>
+          </p:cNvSpPr>
+          <p:nvPr>
+            <p:ph type="title"/>
+          </p:nvPr>
+        </p:nvSpPr>
+        <p:spPr/>
+        <p:txBody>
+          <a:bodyPr/>
+          <a:lstStyle/>
+          <a:p>
+            <a:r>
+              <a:rPr lang="en-US" dirty="0"/>
+              <a:t>Why reschedule SMIF?</a:t>
+            </a:r>
+          </a:p>
+        </p:txBody>
+      </p:sp>
+    </p:spTree>
+    <p:extLst>
+      <p:ext uri="{BB962C8B-B14F-4D97-AF65-F5344CB8AC3E}">
+        <p14:creationId xmlns:p14="http://schemas.microsoft.com/office/powerpoint/2010/main" val="2328854855"/>
       </p:ext>
     </p:extLst>
   </p:cSld>

--- a/Presentations/SIMF_OMG_201709.pptx
+++ b/Presentations/SIMF_OMG_201709.pptx
@@ -121,7 +121,7 @@
   </p:defaultTextStyle>
   <p:extLst>
     <p:ext uri="{EFAFB233-063F-42B5-8137-9DF3F51BA10A}">
-      <p15:sldGuideLst xmlns:p15="http://schemas.microsoft.com/office/powerpoint/2012/main">
+      <p15:sldGuideLst xmlns:p15="http://schemas.microsoft.com/office/powerpoint/2012/main" xmlns="">
         <p15:guide id="1" orient="horz" pos="2160">
           <p15:clr>
             <a:srgbClr val="A4A3A4"/>
@@ -135,7 +135,7 @@
       </p15:sldGuideLst>
     </p:ext>
     <p:ext uri="{2D200454-40CA-4A62-9FC3-DE9A4176ACB9}">
-      <p15:notesGuideLst xmlns:p15="http://schemas.microsoft.com/office/powerpoint/2012/main"/>
+      <p15:notesGuideLst xmlns:p15="http://schemas.microsoft.com/office/powerpoint/2012/main" xmlns=""/>
     </p:ext>
   </p:extLst>
 </p:presentation>
@@ -223,7 +223,7 @@
           <a:p>
             <a:fld id="{38E3837F-7B40-4B98-90A9-C161BB7B8FD2}" type="datetimeFigureOut">
               <a:rPr lang="en-US" smtClean="0"/>
-              <a:t>9/27/2017</a:t>
+              <a:t>9/27/17</a:t>
             </a:fld>
             <a:endParaRPr lang="en-US"/>
           </a:p>
@@ -388,7 +388,7 @@
           <a:p>
             <a:fld id="{C40E5A84-7D87-452D-8FE3-23F521AC3943}" type="datetimeFigureOut">
               <a:rPr lang="en-US" smtClean="0"/>
-              <a:t>9/27/2017</a:t>
+              <a:t>9/27/17</a:t>
             </a:fld>
             <a:endParaRPr lang="en-US"/>
           </a:p>
@@ -4842,7 +4842,7 @@
           <a:noFill/>
           <a:extLst>
             <a:ext uri="{909E8E84-426E-40dd-AFC4-6F175D3DCCD1}">
-              <a14:hiddenFill xmlns:a14="http://schemas.microsoft.com/office/drawing/2010/main" xmlns="">
+              <a14:hiddenFill xmlns:a14="http://schemas.microsoft.com/office/drawing/2010/main">
                 <a:solidFill>
                   <a:srgbClr val="FFFFFF"/>
                 </a:solidFill>
@@ -4943,14 +4943,14 @@
           <a:effectLst/>
           <a:extLst>
             <a:ext uri="{909E8E84-426E-40dd-AFC4-6F175D3DCCD1}">
-              <a14:hiddenFill xmlns:a14="http://schemas.microsoft.com/office/drawing/2010/main" xmlns="">
+              <a14:hiddenFill xmlns:a14="http://schemas.microsoft.com/office/drawing/2010/main">
                 <a:solidFill>
                   <a:schemeClr val="accent1"/>
                 </a:solidFill>
               </a14:hiddenFill>
             </a:ext>
             <a:ext uri="{91240B29-F687-4f45-9708-019B960494DF}">
-              <a14:hiddenLine xmlns:a14="http://schemas.microsoft.com/office/drawing/2010/main" xmlns="" w="9525">
+              <a14:hiddenLine xmlns:a14="http://schemas.microsoft.com/office/drawing/2010/main" w="9525">
                 <a:solidFill>
                   <a:schemeClr val="tx1"/>
                 </a:solidFill>
@@ -4960,7 +4960,7 @@
               </a14:hiddenLine>
             </a:ext>
             <a:ext uri="{AF507438-7753-43e0-B8FC-AC1667EBCBE1}">
-              <a14:hiddenEffects xmlns:a14="http://schemas.microsoft.com/office/drawing/2010/main" xmlns="">
+              <a14:hiddenEffects xmlns:a14="http://schemas.microsoft.com/office/drawing/2010/main">
                 <a:effectLst>
                   <a:outerShdw dist="35921" dir="2700000" algn="ctr" rotWithShape="0">
                     <a:schemeClr val="bg2"/>
@@ -5005,6 +5005,13 @@
   <p:clrMapOvr>
     <a:masterClrMapping/>
   </p:clrMapOvr>
+  <p:timing>
+    <p:tnLst>
+      <p:par>
+        <p:cTn xmlns:p14="http://schemas.microsoft.com/office/powerpoint/2010/main" id="1" dur="indefinite" restart="never" nodeType="tmRoot"/>
+      </p:par>
+    </p:tnLst>
+  </p:timing>
 </p:sld>
 </file>
 
@@ -5144,6 +5151,13 @@
   <p:clrMapOvr>
     <a:masterClrMapping/>
   </p:clrMapOvr>
+  <p:timing>
+    <p:tnLst>
+      <p:par>
+        <p:cTn xmlns:p14="http://schemas.microsoft.com/office/powerpoint/2010/main" id="1" dur="indefinite" restart="never" nodeType="tmRoot"/>
+      </p:par>
+    </p:tnLst>
+  </p:timing>
 </p:sld>
 </file>
 
@@ -5169,7 +5183,7 @@
           <p:cNvPr id="2" name="Content Placeholder 1">
             <a:extLst>
               <a:ext uri="{FF2B5EF4-FFF2-40B4-BE49-F238E27FC236}">
-                <a16:creationId xmlns:a16="http://schemas.microsoft.com/office/drawing/2014/main" id="{826812CC-2C5F-418D-BAD7-32BB6856897B}"/>
+                <a16:creationId xmlns:a16="http://schemas.microsoft.com/office/drawing/2014/main" xmlns="" id="{826812CC-2C5F-418D-BAD7-32BB6856897B}"/>
               </a:ext>
             </a:extLst>
           </p:cNvPr>
@@ -5296,7 +5310,7 @@
           <p:cNvPr id="3" name="Date Placeholder 2">
             <a:extLst>
               <a:ext uri="{FF2B5EF4-FFF2-40B4-BE49-F238E27FC236}">
-                <a16:creationId xmlns:a16="http://schemas.microsoft.com/office/drawing/2014/main" id="{3DC30237-7DD9-4047-BA30-558311A41567}"/>
+                <a16:creationId xmlns:a16="http://schemas.microsoft.com/office/drawing/2014/main" xmlns="" id="{3DC30237-7DD9-4047-BA30-558311A41567}"/>
               </a:ext>
             </a:extLst>
           </p:cNvPr>
@@ -5325,7 +5339,7 @@
           <p:cNvPr id="4" name="Slide Number Placeholder 3">
             <a:extLst>
               <a:ext uri="{FF2B5EF4-FFF2-40B4-BE49-F238E27FC236}">
-                <a16:creationId xmlns:a16="http://schemas.microsoft.com/office/drawing/2014/main" id="{F22FC263-85E1-4F53-B4B0-B5B6246D988F}"/>
+                <a16:creationId xmlns:a16="http://schemas.microsoft.com/office/drawing/2014/main" xmlns="" id="{F22FC263-85E1-4F53-B4B0-B5B6246D988F}"/>
               </a:ext>
             </a:extLst>
           </p:cNvPr>
@@ -5354,7 +5368,7 @@
           <p:cNvPr id="5" name="Footer Placeholder 4">
             <a:extLst>
               <a:ext uri="{FF2B5EF4-FFF2-40B4-BE49-F238E27FC236}">
-                <a16:creationId xmlns:a16="http://schemas.microsoft.com/office/drawing/2014/main" id="{50446F51-4B75-49E0-A1D8-482EEFC1D0ED}"/>
+                <a16:creationId xmlns:a16="http://schemas.microsoft.com/office/drawing/2014/main" xmlns="" id="{50446F51-4B75-49E0-A1D8-482EEFC1D0ED}"/>
               </a:ext>
             </a:extLst>
           </p:cNvPr>
@@ -5379,7 +5393,7 @@
           <p:cNvPr id="6" name="Title 5">
             <a:extLst>
               <a:ext uri="{FF2B5EF4-FFF2-40B4-BE49-F238E27FC236}">
-                <a16:creationId xmlns:a16="http://schemas.microsoft.com/office/drawing/2014/main" id="{9DD2DC20-A4D7-4D07-8B5C-0D2C544F7BD7}"/>
+                <a16:creationId xmlns:a16="http://schemas.microsoft.com/office/drawing/2014/main" xmlns="" id="{9DD2DC20-A4D7-4D07-8B5C-0D2C544F7BD7}"/>
               </a:ext>
             </a:extLst>
           </p:cNvPr>
@@ -5412,6 +5426,13 @@
   <p:clrMapOvr>
     <a:masterClrMapping/>
   </p:clrMapOvr>
+  <p:timing>
+    <p:tnLst>
+      <p:par>
+        <p:cTn xmlns:p14="http://schemas.microsoft.com/office/powerpoint/2010/main" id="1" dur="indefinite" restart="never" nodeType="tmRoot"/>
+      </p:par>
+    </p:tnLst>
+  </p:timing>
 </p:sld>
 </file>
 
@@ -5437,7 +5458,7 @@
           <p:cNvPr id="3" name="Date Placeholder 2">
             <a:extLst>
               <a:ext uri="{FF2B5EF4-FFF2-40B4-BE49-F238E27FC236}">
-                <a16:creationId xmlns:a16="http://schemas.microsoft.com/office/drawing/2014/main" id="{669EEB1C-74A0-4205-9825-7941089BF4F3}"/>
+                <a16:creationId xmlns:a16="http://schemas.microsoft.com/office/drawing/2014/main" xmlns="" id="{669EEB1C-74A0-4205-9825-7941089BF4F3}"/>
               </a:ext>
             </a:extLst>
           </p:cNvPr>
@@ -5466,7 +5487,7 @@
           <p:cNvPr id="4" name="Slide Number Placeholder 3">
             <a:extLst>
               <a:ext uri="{FF2B5EF4-FFF2-40B4-BE49-F238E27FC236}">
-                <a16:creationId xmlns:a16="http://schemas.microsoft.com/office/drawing/2014/main" id="{ABB9F9CD-E4C9-4B17-9204-6DD1ACD051E9}"/>
+                <a16:creationId xmlns:a16="http://schemas.microsoft.com/office/drawing/2014/main" xmlns="" id="{ABB9F9CD-E4C9-4B17-9204-6DD1ACD051E9}"/>
               </a:ext>
             </a:extLst>
           </p:cNvPr>
@@ -5495,7 +5516,7 @@
           <p:cNvPr id="5" name="Footer Placeholder 4">
             <a:extLst>
               <a:ext uri="{FF2B5EF4-FFF2-40B4-BE49-F238E27FC236}">
-                <a16:creationId xmlns:a16="http://schemas.microsoft.com/office/drawing/2014/main" id="{634A4081-D9D4-4522-8276-7D1C460426EB}"/>
+                <a16:creationId xmlns:a16="http://schemas.microsoft.com/office/drawing/2014/main" xmlns="" id="{634A4081-D9D4-4522-8276-7D1C460426EB}"/>
               </a:ext>
             </a:extLst>
           </p:cNvPr>
@@ -5520,7 +5541,7 @@
           <p:cNvPr id="7" name="Title 6">
             <a:extLst>
               <a:ext uri="{FF2B5EF4-FFF2-40B4-BE49-F238E27FC236}">
-                <a16:creationId xmlns:a16="http://schemas.microsoft.com/office/drawing/2014/main" id="{C2AC93AB-609A-4CD3-9A22-0434D1A22D2E}"/>
+                <a16:creationId xmlns:a16="http://schemas.microsoft.com/office/drawing/2014/main" xmlns="" id="{C2AC93AB-609A-4CD3-9A22-0434D1A22D2E}"/>
               </a:ext>
             </a:extLst>
           </p:cNvPr>
@@ -5555,7 +5576,7 @@
           <p:cNvPr id="8" name="Flowchart: Magnetic Disk 7">
             <a:extLst>
               <a:ext uri="{FF2B5EF4-FFF2-40B4-BE49-F238E27FC236}">
-                <a16:creationId xmlns:a16="http://schemas.microsoft.com/office/drawing/2014/main" id="{20F6F7BB-6C07-4E1F-86B0-934C34DFB452}"/>
+                <a16:creationId xmlns:a16="http://schemas.microsoft.com/office/drawing/2014/main" xmlns="" id="{20F6F7BB-6C07-4E1F-86B0-934C34DFB452}"/>
               </a:ext>
             </a:extLst>
           </p:cNvPr>
@@ -5611,7 +5632,7 @@
           <p:cNvPr id="9" name="Flowchart: Multidocument 8">
             <a:extLst>
               <a:ext uri="{FF2B5EF4-FFF2-40B4-BE49-F238E27FC236}">
-                <a16:creationId xmlns:a16="http://schemas.microsoft.com/office/drawing/2014/main" id="{D1FD1D33-CD8B-4283-A33E-D905D91348A2}"/>
+                <a16:creationId xmlns:a16="http://schemas.microsoft.com/office/drawing/2014/main" xmlns="" id="{D1FD1D33-CD8B-4283-A33E-D905D91348A2}"/>
               </a:ext>
             </a:extLst>
           </p:cNvPr>
@@ -5670,7 +5691,7 @@
           <p:cNvPr id="10" name="Flowchart: Process 9">
             <a:extLst>
               <a:ext uri="{FF2B5EF4-FFF2-40B4-BE49-F238E27FC236}">
-                <a16:creationId xmlns:a16="http://schemas.microsoft.com/office/drawing/2014/main" id="{6659766A-E52A-4C3C-BA53-D045F1923A8A}"/>
+                <a16:creationId xmlns:a16="http://schemas.microsoft.com/office/drawing/2014/main" xmlns="" id="{6659766A-E52A-4C3C-BA53-D045F1923A8A}"/>
               </a:ext>
             </a:extLst>
           </p:cNvPr>
@@ -5722,7 +5743,7 @@
           <p:cNvPr id="11" name="Flowchart: Process 10">
             <a:extLst>
               <a:ext uri="{FF2B5EF4-FFF2-40B4-BE49-F238E27FC236}">
-                <a16:creationId xmlns:a16="http://schemas.microsoft.com/office/drawing/2014/main" id="{1B63F041-65AF-4B1E-8805-80CE77AF3AAD}"/>
+                <a16:creationId xmlns:a16="http://schemas.microsoft.com/office/drawing/2014/main" xmlns="" id="{1B63F041-65AF-4B1E-8805-80CE77AF3AAD}"/>
               </a:ext>
             </a:extLst>
           </p:cNvPr>
@@ -5789,7 +5810,7 @@
           <p:cNvPr id="12" name="Flowchart: Process 11">
             <a:extLst>
               <a:ext uri="{FF2B5EF4-FFF2-40B4-BE49-F238E27FC236}">
-                <a16:creationId xmlns:a16="http://schemas.microsoft.com/office/drawing/2014/main" id="{2287463B-472F-4FC5-A122-C6F9D24A5E2F}"/>
+                <a16:creationId xmlns:a16="http://schemas.microsoft.com/office/drawing/2014/main" xmlns="" id="{2287463B-472F-4FC5-A122-C6F9D24A5E2F}"/>
               </a:ext>
             </a:extLst>
           </p:cNvPr>
@@ -5841,7 +5862,7 @@
           <p:cNvPr id="13" name="Flowchart: Process 12">
             <a:extLst>
               <a:ext uri="{FF2B5EF4-FFF2-40B4-BE49-F238E27FC236}">
-                <a16:creationId xmlns:a16="http://schemas.microsoft.com/office/drawing/2014/main" id="{520B1F08-5404-425D-A3C5-A12D111F680D}"/>
+                <a16:creationId xmlns:a16="http://schemas.microsoft.com/office/drawing/2014/main" xmlns="" id="{520B1F08-5404-425D-A3C5-A12D111F680D}"/>
               </a:ext>
             </a:extLst>
           </p:cNvPr>
@@ -5908,7 +5929,7 @@
           <p:cNvPr id="14" name="Flowchart: Process 13">
             <a:extLst>
               <a:ext uri="{FF2B5EF4-FFF2-40B4-BE49-F238E27FC236}">
-                <a16:creationId xmlns:a16="http://schemas.microsoft.com/office/drawing/2014/main" id="{8BBFFD98-C357-472A-A09A-221BB5513D18}"/>
+                <a16:creationId xmlns:a16="http://schemas.microsoft.com/office/drawing/2014/main" xmlns="" id="{8BBFFD98-C357-472A-A09A-221BB5513D18}"/>
               </a:ext>
             </a:extLst>
           </p:cNvPr>
@@ -5975,7 +5996,7 @@
           <p:cNvPr id="15" name="Arrow: Curved Left 14">
             <a:extLst>
               <a:ext uri="{FF2B5EF4-FFF2-40B4-BE49-F238E27FC236}">
-                <a16:creationId xmlns:a16="http://schemas.microsoft.com/office/drawing/2014/main" id="{A77833B1-9B22-45AC-B182-C2BC059E7358}"/>
+                <a16:creationId xmlns:a16="http://schemas.microsoft.com/office/drawing/2014/main" xmlns="" id="{A77833B1-9B22-45AC-B182-C2BC059E7358}"/>
               </a:ext>
             </a:extLst>
           </p:cNvPr>
@@ -6028,7 +6049,7 @@
           <p:cNvPr id="17" name="Arrow: Right 16">
             <a:extLst>
               <a:ext uri="{FF2B5EF4-FFF2-40B4-BE49-F238E27FC236}">
-                <a16:creationId xmlns:a16="http://schemas.microsoft.com/office/drawing/2014/main" id="{F0E2EFBB-98D4-42A3-8AE3-DDB0EBDA9F0D}"/>
+                <a16:creationId xmlns:a16="http://schemas.microsoft.com/office/drawing/2014/main" xmlns="" id="{F0E2EFBB-98D4-42A3-8AE3-DDB0EBDA9F0D}"/>
               </a:ext>
             </a:extLst>
           </p:cNvPr>
@@ -6077,7 +6098,7 @@
           <p:cNvPr id="18" name="Arrow: Down 17">
             <a:extLst>
               <a:ext uri="{FF2B5EF4-FFF2-40B4-BE49-F238E27FC236}">
-                <a16:creationId xmlns:a16="http://schemas.microsoft.com/office/drawing/2014/main" id="{4CBAADD2-265A-409E-97DB-8EDC26558C1F}"/>
+                <a16:creationId xmlns:a16="http://schemas.microsoft.com/office/drawing/2014/main" xmlns="" id="{4CBAADD2-265A-409E-97DB-8EDC26558C1F}"/>
               </a:ext>
             </a:extLst>
           </p:cNvPr>
@@ -6126,7 +6147,7 @@
           <p:cNvPr id="19" name="Arrow: Up-Down 18">
             <a:extLst>
               <a:ext uri="{FF2B5EF4-FFF2-40B4-BE49-F238E27FC236}">
-                <a16:creationId xmlns:a16="http://schemas.microsoft.com/office/drawing/2014/main" id="{8BF97E70-A161-4934-A6F2-8034357E6C04}"/>
+                <a16:creationId xmlns:a16="http://schemas.microsoft.com/office/drawing/2014/main" xmlns="" id="{8BF97E70-A161-4934-A6F2-8034357E6C04}"/>
               </a:ext>
             </a:extLst>
           </p:cNvPr>
@@ -6179,7 +6200,7 @@
           <p:cNvPr id="20" name="Flowchart: Process 19">
             <a:extLst>
               <a:ext uri="{FF2B5EF4-FFF2-40B4-BE49-F238E27FC236}">
-                <a16:creationId xmlns:a16="http://schemas.microsoft.com/office/drawing/2014/main" id="{5FD09A0D-EB2E-442E-97BC-478086584810}"/>
+                <a16:creationId xmlns:a16="http://schemas.microsoft.com/office/drawing/2014/main" xmlns="" id="{5FD09A0D-EB2E-442E-97BC-478086584810}"/>
               </a:ext>
             </a:extLst>
           </p:cNvPr>
@@ -6235,7 +6256,7 @@
           <p:cNvPr id="22" name="Flowchart: Process 21">
             <a:extLst>
               <a:ext uri="{FF2B5EF4-FFF2-40B4-BE49-F238E27FC236}">
-                <a16:creationId xmlns:a16="http://schemas.microsoft.com/office/drawing/2014/main" id="{9BF60AA5-D0AE-4D42-9084-75157F4E0D6F}"/>
+                <a16:creationId xmlns:a16="http://schemas.microsoft.com/office/drawing/2014/main" xmlns="" id="{9BF60AA5-D0AE-4D42-9084-75157F4E0D6F}"/>
               </a:ext>
             </a:extLst>
           </p:cNvPr>
@@ -6292,7 +6313,7 @@
           <p:cNvPr id="23" name="Arrow: Up-Down 22">
             <a:extLst>
               <a:ext uri="{FF2B5EF4-FFF2-40B4-BE49-F238E27FC236}">
-                <a16:creationId xmlns:a16="http://schemas.microsoft.com/office/drawing/2014/main" id="{BE9C6C1F-8369-48C5-A50B-E5FB826D8048}"/>
+                <a16:creationId xmlns:a16="http://schemas.microsoft.com/office/drawing/2014/main" xmlns="" id="{BE9C6C1F-8369-48C5-A50B-E5FB826D8048}"/>
               </a:ext>
             </a:extLst>
           </p:cNvPr>
@@ -6339,7 +6360,7 @@
           <p:cNvPr id="24" name="Flowchart: Process 23">
             <a:extLst>
               <a:ext uri="{FF2B5EF4-FFF2-40B4-BE49-F238E27FC236}">
-                <a16:creationId xmlns:a16="http://schemas.microsoft.com/office/drawing/2014/main" id="{BDAE364C-550D-4749-A67B-D290FD54BF5C}"/>
+                <a16:creationId xmlns:a16="http://schemas.microsoft.com/office/drawing/2014/main" xmlns="" id="{BDAE364C-550D-4749-A67B-D290FD54BF5C}"/>
               </a:ext>
             </a:extLst>
           </p:cNvPr>
@@ -6408,7 +6429,7 @@
           <p:cNvPr id="25" name="Flowchart: Process 24">
             <a:extLst>
               <a:ext uri="{FF2B5EF4-FFF2-40B4-BE49-F238E27FC236}">
-                <a16:creationId xmlns:a16="http://schemas.microsoft.com/office/drawing/2014/main" id="{13097914-15B4-41F4-8258-4A18F7B0ABFA}"/>
+                <a16:creationId xmlns:a16="http://schemas.microsoft.com/office/drawing/2014/main" xmlns="" id="{13097914-15B4-41F4-8258-4A18F7B0ABFA}"/>
               </a:ext>
             </a:extLst>
           </p:cNvPr>
@@ -6477,7 +6498,7 @@
           <p:cNvPr id="26" name="Flowchart: Process 25">
             <a:extLst>
               <a:ext uri="{FF2B5EF4-FFF2-40B4-BE49-F238E27FC236}">
-                <a16:creationId xmlns:a16="http://schemas.microsoft.com/office/drawing/2014/main" id="{33DDDBB4-3FD4-4014-9790-B8ADEAB05CE2}"/>
+                <a16:creationId xmlns:a16="http://schemas.microsoft.com/office/drawing/2014/main" xmlns="" id="{33DDDBB4-3FD4-4014-9790-B8ADEAB05CE2}"/>
               </a:ext>
             </a:extLst>
           </p:cNvPr>
@@ -6546,7 +6567,7 @@
           <p:cNvPr id="27" name="Flowchart: Process 26">
             <a:extLst>
               <a:ext uri="{FF2B5EF4-FFF2-40B4-BE49-F238E27FC236}">
-                <a16:creationId xmlns:a16="http://schemas.microsoft.com/office/drawing/2014/main" id="{14A33B4F-6407-45C9-ACBA-400FE15AA76D}"/>
+                <a16:creationId xmlns:a16="http://schemas.microsoft.com/office/drawing/2014/main" xmlns="" id="{14A33B4F-6407-45C9-ACBA-400FE15AA76D}"/>
               </a:ext>
             </a:extLst>
           </p:cNvPr>
@@ -6598,7 +6619,7 @@
           <p:cNvPr id="28" name="Arrow: Right 27">
             <a:extLst>
               <a:ext uri="{FF2B5EF4-FFF2-40B4-BE49-F238E27FC236}">
-                <a16:creationId xmlns:a16="http://schemas.microsoft.com/office/drawing/2014/main" id="{03821916-3A08-4502-A86B-F2D131E87F09}"/>
+                <a16:creationId xmlns:a16="http://schemas.microsoft.com/office/drawing/2014/main" xmlns="" id="{03821916-3A08-4502-A86B-F2D131E87F09}"/>
               </a:ext>
             </a:extLst>
           </p:cNvPr>
@@ -6647,7 +6668,7 @@
           <p:cNvPr id="29" name="Speech Bubble: Rectangle with Corners Rounded 28">
             <a:extLst>
               <a:ext uri="{FF2B5EF4-FFF2-40B4-BE49-F238E27FC236}">
-                <a16:creationId xmlns:a16="http://schemas.microsoft.com/office/drawing/2014/main" id="{69436F79-2E9D-4BC0-AF5B-DD404892B7BF}"/>
+                <a16:creationId xmlns:a16="http://schemas.microsoft.com/office/drawing/2014/main" xmlns="" id="{69436F79-2E9D-4BC0-AF5B-DD404892B7BF}"/>
               </a:ext>
             </a:extLst>
           </p:cNvPr>
@@ -6700,7 +6721,7 @@
           <p:cNvPr id="30" name="Flowchart: Process 29">
             <a:extLst>
               <a:ext uri="{FF2B5EF4-FFF2-40B4-BE49-F238E27FC236}">
-                <a16:creationId xmlns:a16="http://schemas.microsoft.com/office/drawing/2014/main" id="{CD4D1923-1C24-40C1-A1E4-66783108815C}"/>
+                <a16:creationId xmlns:a16="http://schemas.microsoft.com/office/drawing/2014/main" xmlns="" id="{CD4D1923-1C24-40C1-A1E4-66783108815C}"/>
               </a:ext>
             </a:extLst>
           </p:cNvPr>
@@ -6769,7 +6790,7 @@
           <p:cNvPr id="31" name="TextBox 30">
             <a:extLst>
               <a:ext uri="{FF2B5EF4-FFF2-40B4-BE49-F238E27FC236}">
-                <a16:creationId xmlns:a16="http://schemas.microsoft.com/office/drawing/2014/main" id="{067CE61C-5D9E-4E96-B09F-0E2FFC8DD3C1}"/>
+                <a16:creationId xmlns:a16="http://schemas.microsoft.com/office/drawing/2014/main" xmlns="" id="{067CE61C-5D9E-4E96-B09F-0E2FFC8DD3C1}"/>
               </a:ext>
             </a:extLst>
           </p:cNvPr>
@@ -6813,7 +6834,7 @@
           <p:cNvPr id="32" name="Rectangle 31">
             <a:extLst>
               <a:ext uri="{FF2B5EF4-FFF2-40B4-BE49-F238E27FC236}">
-                <a16:creationId xmlns:a16="http://schemas.microsoft.com/office/drawing/2014/main" id="{5D68C0CC-9763-4709-91FE-9A624BE402A9}"/>
+                <a16:creationId xmlns:a16="http://schemas.microsoft.com/office/drawing/2014/main" xmlns="" id="{5D68C0CC-9763-4709-91FE-9A624BE402A9}"/>
               </a:ext>
             </a:extLst>
           </p:cNvPr>
@@ -6862,7 +6883,7 @@
           <p:cNvPr id="33" name="Arrow: Bent 32">
             <a:extLst>
               <a:ext uri="{FF2B5EF4-FFF2-40B4-BE49-F238E27FC236}">
-                <a16:creationId xmlns:a16="http://schemas.microsoft.com/office/drawing/2014/main" id="{49E21620-DAD3-47A1-95E3-4A8C5A2390F5}"/>
+                <a16:creationId xmlns:a16="http://schemas.microsoft.com/office/drawing/2014/main" xmlns="" id="{49E21620-DAD3-47A1-95E3-4A8C5A2390F5}"/>
               </a:ext>
             </a:extLst>
           </p:cNvPr>
@@ -6912,7 +6933,7 @@
           <p:cNvPr id="34" name="Arrow: Bent 33">
             <a:extLst>
               <a:ext uri="{FF2B5EF4-FFF2-40B4-BE49-F238E27FC236}">
-                <a16:creationId xmlns:a16="http://schemas.microsoft.com/office/drawing/2014/main" id="{87776924-A6E6-4235-96AE-212195700A02}"/>
+                <a16:creationId xmlns:a16="http://schemas.microsoft.com/office/drawing/2014/main" xmlns="" id="{87776924-A6E6-4235-96AE-212195700A02}"/>
               </a:ext>
             </a:extLst>
           </p:cNvPr>
@@ -6967,7 +6988,7 @@
           <p:cNvPr id="2" name="Speech Bubble: Rectangle with Corners Rounded 1">
             <a:extLst>
               <a:ext uri="{FF2B5EF4-FFF2-40B4-BE49-F238E27FC236}">
-                <a16:creationId xmlns:a16="http://schemas.microsoft.com/office/drawing/2014/main" id="{8E73117E-8633-4F73-A5E1-A7B0745449B6}"/>
+                <a16:creationId xmlns:a16="http://schemas.microsoft.com/office/drawing/2014/main" xmlns="" id="{8E73117E-8633-4F73-A5E1-A7B0745449B6}"/>
               </a:ext>
             </a:extLst>
           </p:cNvPr>
@@ -7020,7 +7041,7 @@
           <p:cNvPr id="21" name="Picture 20">
             <a:extLst>
               <a:ext uri="{FF2B5EF4-FFF2-40B4-BE49-F238E27FC236}">
-                <a16:creationId xmlns:a16="http://schemas.microsoft.com/office/drawing/2014/main" id="{36C04CE6-C794-4ED1-B6D7-DC477516E482}"/>
+                <a16:creationId xmlns:a16="http://schemas.microsoft.com/office/drawing/2014/main" xmlns="" id="{36C04CE6-C794-4ED1-B6D7-DC477516E482}"/>
               </a:ext>
             </a:extLst>
           </p:cNvPr>
@@ -7050,7 +7071,7 @@
           <p:cNvPr id="38" name="Flowchart: Process 37">
             <a:extLst>
               <a:ext uri="{FF2B5EF4-FFF2-40B4-BE49-F238E27FC236}">
-                <a16:creationId xmlns:a16="http://schemas.microsoft.com/office/drawing/2014/main" id="{753C76A3-8872-418B-B58C-CEE7E67EA83A}"/>
+                <a16:creationId xmlns:a16="http://schemas.microsoft.com/office/drawing/2014/main" xmlns="" id="{753C76A3-8872-418B-B58C-CEE7E67EA83A}"/>
               </a:ext>
             </a:extLst>
           </p:cNvPr>
@@ -7124,6 +7145,13 @@
   <p:clrMapOvr>
     <a:masterClrMapping/>
   </p:clrMapOvr>
+  <p:timing>
+    <p:tnLst>
+      <p:par>
+        <p:cTn xmlns:p14="http://schemas.microsoft.com/office/powerpoint/2010/main" id="1" dur="indefinite" restart="never" nodeType="tmRoot"/>
+      </p:par>
+    </p:tnLst>
+  </p:timing>
 </p:sld>
 </file>
 
@@ -7288,14 +7316,14 @@
               </a:ln>
               <a:effectLst/>
               <a:extLst>
-                <a:ext uri="{909E8E84-426E-40DD-AFC4-6F175D3DCCD1}">
+                <a:ext uri="{909E8E84-426E-40dd-AFC4-6F175D3DCCD1}">
                   <a14:hiddenFill xmlns:a14="http://schemas.microsoft.com/office/drawing/2010/main">
                     <a:solidFill>
                       <a:schemeClr val="accent1"/>
                     </a:solidFill>
                   </a14:hiddenFill>
                 </a:ext>
-                <a:ext uri="{91240B29-F687-4F45-9708-019B960494DF}">
+                <a:ext uri="{91240B29-F687-4f45-9708-019B960494DF}">
                   <a14:hiddenLine xmlns:a14="http://schemas.microsoft.com/office/drawing/2010/main" w="9525">
                     <a:solidFill>
                       <a:schemeClr val="tx1"/>
@@ -7305,7 +7333,7 @@
                     <a:tailEnd/>
                   </a14:hiddenLine>
                 </a:ext>
-                <a:ext uri="{AF507438-7753-43E0-B8FC-AC1667EBCBE1}">
+                <a:ext uri="{AF507438-7753-43e0-B8FC-AC1667EBCBE1}">
                   <a14:hiddenEffects xmlns:a14="http://schemas.microsoft.com/office/drawing/2010/main">
                     <a:effectLst>
                       <a:outerShdw dist="35921" dir="2700000" algn="ctr" rotWithShape="0">
@@ -7352,14 +7380,14 @@
               </a:ln>
               <a:effectLst/>
               <a:extLst>
-                <a:ext uri="{909E8E84-426E-40DD-AFC4-6F175D3DCCD1}">
+                <a:ext uri="{909E8E84-426E-40dd-AFC4-6F175D3DCCD1}">
                   <a14:hiddenFill xmlns:a14="http://schemas.microsoft.com/office/drawing/2010/main">
                     <a:solidFill>
                       <a:schemeClr val="accent1"/>
                     </a:solidFill>
                   </a14:hiddenFill>
                 </a:ext>
-                <a:ext uri="{91240B29-F687-4F45-9708-019B960494DF}">
+                <a:ext uri="{91240B29-F687-4f45-9708-019B960494DF}">
                   <a14:hiddenLine xmlns:a14="http://schemas.microsoft.com/office/drawing/2010/main" w="9525">
                     <a:solidFill>
                       <a:schemeClr val="tx1"/>
@@ -7369,7 +7397,7 @@
                     <a:tailEnd/>
                   </a14:hiddenLine>
                 </a:ext>
-                <a:ext uri="{AF507438-7753-43E0-B8FC-AC1667EBCBE1}">
+                <a:ext uri="{AF507438-7753-43e0-B8FC-AC1667EBCBE1}">
                   <a14:hiddenEffects xmlns:a14="http://schemas.microsoft.com/office/drawing/2010/main">
                     <a:effectLst>
                       <a:outerShdw dist="35921" dir="2700000" algn="ctr" rotWithShape="0">
@@ -7488,7 +7516,7 @@
         </p:spPr>
         <p:txBody>
           <a:bodyPr>
-            <a:normAutofit fontScale="85000" lnSpcReduction="10000"/>
+            <a:normAutofit fontScale="92500" lnSpcReduction="20000"/>
           </a:bodyPr>
           <a:lstStyle/>
           <a:p>
@@ -8192,7 +8220,7 @@
     </p:spTree>
     <p:extLst>
       <p:ext uri="{BB962C8B-B14F-4D97-AF65-F5344CB8AC3E}">
-        <p14:creationId xmlns:p14="http://schemas.microsoft.com/office/powerpoint/2010/main" val="2391047842"/>
+        <p14:creationId xmlns:p14="http://schemas.microsoft.com/office/powerpoint/2010/main" val="121414076"/>
       </p:ext>
     </p:extLst>
   </p:cSld>
@@ -8202,7 +8230,7 @@
   <p:timing>
     <p:tnLst>
       <p:par>
-        <p:cTn id="1" dur="indefinite" restart="never" nodeType="tmRoot">
+        <p:cTn xmlns:p14="http://schemas.microsoft.com/office/powerpoint/2010/main" id="1" dur="indefinite" restart="never" nodeType="tmRoot">
           <p:childTnLst>
             <p:seq concurrent="1" nextAc="seek">
               <p:cTn id="2" dur="indefinite" nodeType="mainSeq">
@@ -8635,13 +8663,20 @@
     </p:spTree>
     <p:extLst>
       <p:ext uri="{BB962C8B-B14F-4D97-AF65-F5344CB8AC3E}">
-        <p14:creationId xmlns:p14="http://schemas.microsoft.com/office/powerpoint/2010/main" val="3836568017"/>
+        <p14:creationId xmlns:p14="http://schemas.microsoft.com/office/powerpoint/2010/main" val="4145318216"/>
       </p:ext>
     </p:extLst>
   </p:cSld>
   <p:clrMapOvr>
     <a:masterClrMapping/>
   </p:clrMapOvr>
+  <p:timing>
+    <p:tnLst>
+      <p:par>
+        <p:cTn xmlns:p14="http://schemas.microsoft.com/office/powerpoint/2010/main" id="1" dur="indefinite" restart="never" nodeType="tmRoot"/>
+      </p:par>
+    </p:tnLst>
+  </p:timing>
 </p:sld>
 </file>
 
@@ -8871,6 +8906,13 @@
   <p:clrMapOvr>
     <a:masterClrMapping/>
   </p:clrMapOvr>
+  <p:timing>
+    <p:tnLst>
+      <p:par>
+        <p:cTn xmlns:p14="http://schemas.microsoft.com/office/powerpoint/2010/main" id="1" dur="indefinite" restart="never" nodeType="tmRoot"/>
+      </p:par>
+    </p:tnLst>
+  </p:timing>
 </p:sld>
 </file>
 
@@ -8922,7 +8964,15 @@
             </a:pPr>
             <a:r>
               <a:rPr lang="en-US" dirty="0"/>
-              <a:t>Provides capability for domain concept modeling</a:t>
+              <a:t>Provides capability for </a:t>
+            </a:r>
+            <a:r>
+              <a:rPr lang="en-US" dirty="0" smtClean="0"/>
+              <a:t>visual domain </a:t>
+            </a:r>
+            <a:r>
+              <a:rPr lang="en-US" dirty="0"/>
+              <a:t>concept modeling</a:t>
             </a:r>
           </a:p>
           <a:p>
@@ -8932,7 +8982,27 @@
             </a:pPr>
             <a:r>
               <a:rPr lang="en-US" dirty="0"/>
-              <a:t>Provides capability for diagram and natural-language glossary validation with business SMEs</a:t>
+              <a:t>Provides capability for </a:t>
+            </a:r>
+            <a:r>
+              <a:rPr lang="en-US" dirty="0"/>
+              <a:t>validation with business </a:t>
+            </a:r>
+            <a:r>
+              <a:rPr lang="en-US" dirty="0" smtClean="0"/>
+              <a:t>SMEs of </a:t>
+            </a:r>
+            <a:r>
+              <a:rPr lang="en-US" dirty="0" smtClean="0"/>
+              <a:t>diagrams </a:t>
+            </a:r>
+            <a:r>
+              <a:rPr lang="en-US" dirty="0"/>
+              <a:t>and natural-language </a:t>
+            </a:r>
+            <a:r>
+              <a:rPr lang="en-US" dirty="0" smtClean="0"/>
+              <a:t>glossary</a:t>
             </a:r>
           </a:p>
           <a:p>
@@ -8941,8 +9011,12 @@
               <a:buChar char="•"/>
             </a:pPr>
             <a:r>
+              <a:rPr lang="en-US" dirty="0" smtClean="0"/>
+              <a:t>Emits </a:t>
+            </a:r>
+            <a:r>
               <a:rPr lang="en-US" dirty="0"/>
-              <a:t>Emits OWL ontologies</a:t>
+              <a:t>OWL ontologies</a:t>
             </a:r>
           </a:p>
           <a:p>
@@ -8952,18 +9026,13 @@
             </a:pPr>
             <a:r>
               <a:rPr lang="en-US" dirty="0"/>
-              <a:t>“Round trips” edited OWL</a:t>
-            </a:r>
-          </a:p>
-          <a:p>
-            <a:pPr marL="285750" indent="-285750">
-              <a:buFont typeface="Arial"/>
-              <a:buChar char="•"/>
-            </a:pPr>
-            <a:r>
-              <a:rPr lang="en-US" dirty="0"/>
-              <a:t>(patterns)</a:t>
-            </a:r>
+              <a:t>“Round trips” edited </a:t>
+            </a:r>
+            <a:r>
+              <a:rPr lang="en-US" dirty="0" smtClean="0"/>
+              <a:t>OWL and “sanctioned” FIBO patterns</a:t>
+            </a:r>
+            <a:endParaRPr lang="en-US" dirty="0"/>
           </a:p>
         </p:txBody>
       </p:sp>
@@ -9064,6 +9133,13 @@
   <p:clrMapOvr>
     <a:masterClrMapping/>
   </p:clrMapOvr>
+  <p:timing>
+    <p:tnLst>
+      <p:par>
+        <p:cTn xmlns:p14="http://schemas.microsoft.com/office/powerpoint/2010/main" id="1" dur="indefinite" restart="never" nodeType="tmRoot"/>
+      </p:par>
+    </p:tnLst>
+  </p:timing>
 </p:sld>
 </file>
 
@@ -9291,6 +9367,13 @@
   <p:clrMapOvr>
     <a:masterClrMapping/>
   </p:clrMapOvr>
+  <p:timing>
+    <p:tnLst>
+      <p:par>
+        <p:cTn xmlns:p14="http://schemas.microsoft.com/office/powerpoint/2010/main" id="1" dur="indefinite" restart="never" nodeType="tmRoot"/>
+      </p:par>
+    </p:tnLst>
+  </p:timing>
 </p:sld>
 </file>
 
@@ -9351,8 +9434,12 @@
               <a:buChar char="•"/>
             </a:pPr>
             <a:r>
+              <a:rPr lang="en-US" dirty="0" smtClean="0"/>
+              <a:t>Discovered </a:t>
+            </a:r>
+            <a:r>
               <a:rPr lang="en-US" dirty="0"/>
-              <a:t>Refinement of the SMIF model</a:t>
+              <a:t>shortcomings in work with the FIBO team</a:t>
             </a:r>
           </a:p>
           <a:p>
@@ -9362,7 +9449,7 @@
             </a:pPr>
             <a:r>
               <a:rPr lang="en-US" dirty="0"/>
-              <a:t>Discovered shortcomings in work with the FIBO team</a:t>
+              <a:t>Valuable experience validating FIBO-V with actual business SMEs</a:t>
             </a:r>
           </a:p>
           <a:p>
@@ -9372,16 +9459,6 @@
             </a:pPr>
             <a:r>
               <a:rPr lang="en-US" dirty="0"/>
-              <a:t>Valuable experience validating FIBO-V with actual business SMEs</a:t>
-            </a:r>
-          </a:p>
-          <a:p>
-            <a:pPr marL="457200" lvl="1" indent="-285750">
-              <a:buFont typeface="Arial"/>
-              <a:buChar char="•"/>
-            </a:pPr>
-            <a:r>
-              <a:rPr lang="en-US" dirty="0"/>
               <a:t>Valuable feedback on profile understandability</a:t>
             </a:r>
           </a:p>
@@ -9392,7 +9469,15 @@
             </a:pPr>
             <a:r>
               <a:rPr lang="en-US" dirty="0"/>
-              <a:t>Stronger formalization and provable grounding of the SMIF kernel</a:t>
+              <a:t>Refinement </a:t>
+            </a:r>
+            <a:r>
+              <a:rPr lang="en-US" dirty="0" smtClean="0"/>
+              <a:t>made to the </a:t>
+            </a:r>
+            <a:r>
+              <a:rPr lang="en-US" dirty="0"/>
+              <a:t>SMIF model</a:t>
             </a:r>
           </a:p>
           <a:p>
@@ -9401,8 +9486,26 @@
               <a:buChar char="•"/>
             </a:pPr>
             <a:r>
+              <a:rPr lang="en-US" dirty="0" smtClean="0"/>
+              <a:t>Need stronger </a:t>
+            </a:r>
+            <a:r>
               <a:rPr lang="en-US" dirty="0"/>
-              <a:t>We plan to exceed the requirements of the OMG process by having multiple implementations on adoption, not one year later</a:t>
+              <a:t>formalization and provable grounding of the SMIF kernel</a:t>
+            </a:r>
+          </a:p>
+          <a:p>
+            <a:pPr marL="285750" indent="-285750">
+              <a:buFont typeface="Arial"/>
+              <a:buChar char="•"/>
+            </a:pPr>
+            <a:r>
+              <a:rPr lang="en-US" dirty="0" smtClean="0"/>
+              <a:t>Plan </a:t>
+            </a:r>
+            <a:r>
+              <a:rPr lang="en-US" dirty="0"/>
+              <a:t>to exceed the requirements of the OMG process by having multiple implementations on adoption, not one year later</a:t>
             </a:r>
           </a:p>
           <a:p>
@@ -9521,6 +9624,13 @@
   <p:clrMapOvr>
     <a:masterClrMapping/>
   </p:clrMapOvr>
+  <p:timing>
+    <p:tnLst>
+      <p:par>
+        <p:cTn xmlns:p14="http://schemas.microsoft.com/office/powerpoint/2010/main" id="1" dur="indefinite" restart="never" nodeType="tmRoot"/>
+      </p:par>
+    </p:tnLst>
+  </p:timing>
 </p:sld>
 </file>
 
